--- a/materials/Presentation.pptx
+++ b/materials/Presentation.pptx
@@ -4,6 +4,9 @@
   <p:sldMasterIdLst>
     <p:sldMasterId id="2147483648" r:id="rId1"/>
   </p:sldMasterIdLst>
+  <p:handoutMasterIdLst>
+    <p:handoutMasterId r:id="rId13"/>
+  </p:handoutMasterIdLst>
   <p:sldIdLst>
     <p:sldId id="256" r:id="rId2"/>
     <p:sldId id="257" r:id="rId3"/>
@@ -11,9 +14,11 @@
     <p:sldId id="259" r:id="rId5"/>
     <p:sldId id="260" r:id="rId6"/>
     <p:sldId id="261" r:id="rId7"/>
-    <p:sldId id="262" r:id="rId8"/>
-    <p:sldId id="263" r:id="rId9"/>
-    <p:sldId id="264" r:id="rId10"/>
+    <p:sldId id="265" r:id="rId8"/>
+    <p:sldId id="266" r:id="rId9"/>
+    <p:sldId id="262" r:id="rId10"/>
+    <p:sldId id="263" r:id="rId11"/>
+    <p:sldId id="264" r:id="rId12"/>
   </p:sldIdLst>
   <p:sldSz cx="12192000" cy="6858000"/>
   <p:notesSz cx="6858000" cy="9144000"/>
@@ -112,7 +117,201 @@
       </a:defRPr>
     </a:lvl9pPr>
   </p:defaultTextStyle>
+  <p:extLst>
+    <p:ext uri="{EFAFB233-063F-42B5-8137-9DF3F51BA10A}">
+      <p15:sldGuideLst xmlns:p15="http://schemas.microsoft.com/office/powerpoint/2012/main"/>
+    </p:ext>
+  </p:extLst>
 </p:presentation>
+</file>
+
+<file path=ppt/handoutMasters/handoutMaster1.xml><?xml version="1.0" encoding="utf-8"?>
+<p:handoutMaster xmlns:a="http://schemas.openxmlformats.org/drawingml/2006/main" xmlns:r="http://schemas.openxmlformats.org/officeDocument/2006/relationships" xmlns:p="http://schemas.openxmlformats.org/presentationml/2006/main">
+  <p:cSld>
+    <p:bg>
+      <p:bgRef idx="1001">
+        <a:schemeClr val="bg1"/>
+      </p:bgRef>
+    </p:bg>
+    <p:spTree>
+      <p:nvGrpSpPr>
+        <p:cNvPr id="1" name=""/>
+        <p:cNvGrpSpPr/>
+        <p:nvPr/>
+      </p:nvGrpSpPr>
+      <p:grpSpPr>
+        <a:xfrm>
+          <a:off x="0" y="0"/>
+          <a:ext cx="0" cy="0"/>
+          <a:chOff x="0" y="0"/>
+          <a:chExt cx="0" cy="0"/>
+        </a:xfrm>
+      </p:grpSpPr>
+      <p:sp>
+        <p:nvSpPr>
+          <p:cNvPr id="2" name="Верхний колонтитул 1">
+            <a:extLst>
+              <a:ext uri="{FF2B5EF4-FFF2-40B4-BE49-F238E27FC236}">
+                <a16:creationId xmlns:a16="http://schemas.microsoft.com/office/drawing/2014/main" id="{B756DB33-9A70-405B-93FC-9064BD8D99A2}"/>
+              </a:ext>
+            </a:extLst>
+          </p:cNvPr>
+          <p:cNvSpPr>
+            <a:spLocks noGrp="1"/>
+          </p:cNvSpPr>
+          <p:nvPr>
+            <p:ph type="hdr" sz="quarter"/>
+          </p:nvPr>
+        </p:nvSpPr>
+        <p:spPr>
+          <a:xfrm>
+            <a:off x="0" y="0"/>
+            <a:ext cx="2971800" cy="458788"/>
+          </a:xfrm>
+          <a:prstGeom prst="rect">
+            <a:avLst/>
+          </a:prstGeom>
+        </p:spPr>
+        <p:txBody>
+          <a:bodyPr vert="horz" lIns="91440" tIns="45720" rIns="91440" bIns="45720" rtlCol="0"/>
+          <a:lstStyle>
+            <a:lvl1pPr algn="l">
+              <a:defRPr sz="1200"/>
+            </a:lvl1pPr>
+          </a:lstStyle>
+          <a:p>
+            <a:endParaRPr lang="ru-RU"/>
+          </a:p>
+        </p:txBody>
+      </p:sp>
+      <p:sp>
+        <p:nvSpPr>
+          <p:cNvPr id="3" name="Дата 2">
+            <a:extLst>
+              <a:ext uri="{FF2B5EF4-FFF2-40B4-BE49-F238E27FC236}">
+                <a16:creationId xmlns:a16="http://schemas.microsoft.com/office/drawing/2014/main" id="{ABC915C1-BE30-4289-BC99-BCE262172BA6}"/>
+              </a:ext>
+            </a:extLst>
+          </p:cNvPr>
+          <p:cNvSpPr>
+            <a:spLocks noGrp="1"/>
+          </p:cNvSpPr>
+          <p:nvPr>
+            <p:ph type="dt" sz="quarter" idx="1"/>
+          </p:nvPr>
+        </p:nvSpPr>
+        <p:spPr>
+          <a:xfrm>
+            <a:off x="3884613" y="0"/>
+            <a:ext cx="2971800" cy="458788"/>
+          </a:xfrm>
+          <a:prstGeom prst="rect">
+            <a:avLst/>
+          </a:prstGeom>
+        </p:spPr>
+        <p:txBody>
+          <a:bodyPr vert="horz" lIns="91440" tIns="45720" rIns="91440" bIns="45720" rtlCol="0"/>
+          <a:lstStyle>
+            <a:lvl1pPr algn="r">
+              <a:defRPr sz="1200"/>
+            </a:lvl1pPr>
+          </a:lstStyle>
+          <a:p>
+            <a:fld id="{5F2F58A1-2790-466B-BDFD-2B7176D4BEF3}" type="datetimeFigureOut">
+              <a:rPr lang="ru-RU" smtClean="0"/>
+              <a:t>22.04.2025</a:t>
+            </a:fld>
+            <a:endParaRPr lang="ru-RU"/>
+          </a:p>
+        </p:txBody>
+      </p:sp>
+      <p:sp>
+        <p:nvSpPr>
+          <p:cNvPr id="4" name="Нижний колонтитул 3">
+            <a:extLst>
+              <a:ext uri="{FF2B5EF4-FFF2-40B4-BE49-F238E27FC236}">
+                <a16:creationId xmlns:a16="http://schemas.microsoft.com/office/drawing/2014/main" id="{D0317402-D749-48C9-B546-5A587D21A151}"/>
+              </a:ext>
+            </a:extLst>
+          </p:cNvPr>
+          <p:cNvSpPr>
+            <a:spLocks noGrp="1"/>
+          </p:cNvSpPr>
+          <p:nvPr>
+            <p:ph type="ftr" sz="quarter" idx="2"/>
+          </p:nvPr>
+        </p:nvSpPr>
+        <p:spPr>
+          <a:xfrm>
+            <a:off x="0" y="8685213"/>
+            <a:ext cx="2971800" cy="458787"/>
+          </a:xfrm>
+          <a:prstGeom prst="rect">
+            <a:avLst/>
+          </a:prstGeom>
+        </p:spPr>
+        <p:txBody>
+          <a:bodyPr vert="horz" lIns="91440" tIns="45720" rIns="91440" bIns="45720" rtlCol="0" anchor="b"/>
+          <a:lstStyle>
+            <a:lvl1pPr algn="l">
+              <a:defRPr sz="1200"/>
+            </a:lvl1pPr>
+          </a:lstStyle>
+          <a:p>
+            <a:endParaRPr lang="ru-RU"/>
+          </a:p>
+        </p:txBody>
+      </p:sp>
+      <p:sp>
+        <p:nvSpPr>
+          <p:cNvPr id="5" name="Номер слайда 4">
+            <a:extLst>
+              <a:ext uri="{FF2B5EF4-FFF2-40B4-BE49-F238E27FC236}">
+                <a16:creationId xmlns:a16="http://schemas.microsoft.com/office/drawing/2014/main" id="{A6B5C883-E1F6-4536-A369-CF39E5529461}"/>
+              </a:ext>
+            </a:extLst>
+          </p:cNvPr>
+          <p:cNvSpPr>
+            <a:spLocks noGrp="1"/>
+          </p:cNvSpPr>
+          <p:nvPr>
+            <p:ph type="sldNum" sz="quarter" idx="3"/>
+          </p:nvPr>
+        </p:nvSpPr>
+        <p:spPr>
+          <a:xfrm>
+            <a:off x="3884613" y="8685213"/>
+            <a:ext cx="2971800" cy="458787"/>
+          </a:xfrm>
+          <a:prstGeom prst="rect">
+            <a:avLst/>
+          </a:prstGeom>
+        </p:spPr>
+        <p:txBody>
+          <a:bodyPr vert="horz" lIns="91440" tIns="45720" rIns="91440" bIns="45720" rtlCol="0" anchor="b"/>
+          <a:lstStyle>
+            <a:lvl1pPr algn="r">
+              <a:defRPr sz="1200"/>
+            </a:lvl1pPr>
+          </a:lstStyle>
+          <a:p>
+            <a:fld id="{5EC891C6-D069-42B7-ABC2-8084600332EE}" type="slidenum">
+              <a:rPr lang="ru-RU" smtClean="0"/>
+              <a:t>‹#›</a:t>
+            </a:fld>
+            <a:endParaRPr lang="ru-RU"/>
+          </a:p>
+        </p:txBody>
+      </p:sp>
+    </p:spTree>
+    <p:extLst>
+      <p:ext uri="{BB962C8B-B14F-4D97-AF65-F5344CB8AC3E}">
+        <p14:creationId xmlns:p14="http://schemas.microsoft.com/office/powerpoint/2010/main" val="310908317"/>
+      </p:ext>
+    </p:extLst>
+  </p:cSld>
+  <p:clrMap bg1="lt1" tx1="dk1" bg2="lt2" tx2="dk2" accent1="accent1" accent2="accent2" accent3="accent3" accent4="accent4" accent5="accent5" accent6="accent6" hlink="hlink" folHlink="folHlink"/>
+</p:handoutMaster>
 </file>
 
 <file path=ppt/slideLayouts/slideLayout1.xml><?xml version="1.0" encoding="utf-8"?>
@@ -262,7 +461,7 @@
           <a:p>
             <a:fld id="{BEAE42B0-126B-40D2-8603-60E526B3C4CA}" type="datetimeFigureOut">
               <a:rPr lang="ru-RU" smtClean="0"/>
-              <a:t>18.04.2025</a:t>
+              <a:t>22.04.2025</a:t>
             </a:fld>
             <a:endParaRPr lang="ru-RU"/>
           </a:p>
@@ -460,7 +659,7 @@
           <a:p>
             <a:fld id="{BEAE42B0-126B-40D2-8603-60E526B3C4CA}" type="datetimeFigureOut">
               <a:rPr lang="ru-RU" smtClean="0"/>
-              <a:t>18.04.2025</a:t>
+              <a:t>22.04.2025</a:t>
             </a:fld>
             <a:endParaRPr lang="ru-RU"/>
           </a:p>
@@ -668,7 +867,7 @@
           <a:p>
             <a:fld id="{BEAE42B0-126B-40D2-8603-60E526B3C4CA}" type="datetimeFigureOut">
               <a:rPr lang="ru-RU" smtClean="0"/>
-              <a:t>18.04.2025</a:t>
+              <a:t>22.04.2025</a:t>
             </a:fld>
             <a:endParaRPr lang="ru-RU"/>
           </a:p>
@@ -866,7 +1065,7 @@
           <a:p>
             <a:fld id="{BEAE42B0-126B-40D2-8603-60E526B3C4CA}" type="datetimeFigureOut">
               <a:rPr lang="ru-RU" smtClean="0"/>
-              <a:t>18.04.2025</a:t>
+              <a:t>22.04.2025</a:t>
             </a:fld>
             <a:endParaRPr lang="ru-RU"/>
           </a:p>
@@ -1141,7 +1340,7 @@
           <a:p>
             <a:fld id="{BEAE42B0-126B-40D2-8603-60E526B3C4CA}" type="datetimeFigureOut">
               <a:rPr lang="ru-RU" smtClean="0"/>
-              <a:t>18.04.2025</a:t>
+              <a:t>22.04.2025</a:t>
             </a:fld>
             <a:endParaRPr lang="ru-RU"/>
           </a:p>
@@ -1406,7 +1605,7 @@
           <a:p>
             <a:fld id="{BEAE42B0-126B-40D2-8603-60E526B3C4CA}" type="datetimeFigureOut">
               <a:rPr lang="ru-RU" smtClean="0"/>
-              <a:t>18.04.2025</a:t>
+              <a:t>22.04.2025</a:t>
             </a:fld>
             <a:endParaRPr lang="ru-RU"/>
           </a:p>
@@ -1818,7 +2017,7 @@
           <a:p>
             <a:fld id="{BEAE42B0-126B-40D2-8603-60E526B3C4CA}" type="datetimeFigureOut">
               <a:rPr lang="ru-RU" smtClean="0"/>
-              <a:t>18.04.2025</a:t>
+              <a:t>22.04.2025</a:t>
             </a:fld>
             <a:endParaRPr lang="ru-RU"/>
           </a:p>
@@ -1959,7 +2158,7 @@
           <a:p>
             <a:fld id="{BEAE42B0-126B-40D2-8603-60E526B3C4CA}" type="datetimeFigureOut">
               <a:rPr lang="ru-RU" smtClean="0"/>
-              <a:t>18.04.2025</a:t>
+              <a:t>22.04.2025</a:t>
             </a:fld>
             <a:endParaRPr lang="ru-RU"/>
           </a:p>
@@ -2072,7 +2271,7 @@
           <a:p>
             <a:fld id="{BEAE42B0-126B-40D2-8603-60E526B3C4CA}" type="datetimeFigureOut">
               <a:rPr lang="ru-RU" smtClean="0"/>
-              <a:t>18.04.2025</a:t>
+              <a:t>22.04.2025</a:t>
             </a:fld>
             <a:endParaRPr lang="ru-RU"/>
           </a:p>
@@ -2383,7 +2582,7 @@
           <a:p>
             <a:fld id="{BEAE42B0-126B-40D2-8603-60E526B3C4CA}" type="datetimeFigureOut">
               <a:rPr lang="ru-RU" smtClean="0"/>
-              <a:t>18.04.2025</a:t>
+              <a:t>22.04.2025</a:t>
             </a:fld>
             <a:endParaRPr lang="ru-RU"/>
           </a:p>
@@ -2671,7 +2870,7 @@
           <a:p>
             <a:fld id="{BEAE42B0-126B-40D2-8603-60E526B3C4CA}" type="datetimeFigureOut">
               <a:rPr lang="ru-RU" smtClean="0"/>
-              <a:t>18.04.2025</a:t>
+              <a:t>22.04.2025</a:t>
             </a:fld>
             <a:endParaRPr lang="ru-RU"/>
           </a:p>
@@ -2912,7 +3111,7 @@
           <a:p>
             <a:fld id="{BEAE42B0-126B-40D2-8603-60E526B3C4CA}" type="datetimeFigureOut">
               <a:rPr lang="ru-RU" smtClean="0"/>
-              <a:t>18.04.2025</a:t>
+              <a:t>22.04.2025</a:t>
             </a:fld>
             <a:endParaRPr lang="ru-RU"/>
           </a:p>
@@ -3443,6 +3642,184 @@
 </p:sld>
 </file>
 
+<file path=ppt/slides/slide10.xml><?xml version="1.0" encoding="utf-8"?>
+<p:sld xmlns:a="http://schemas.openxmlformats.org/drawingml/2006/main" xmlns:r="http://schemas.openxmlformats.org/officeDocument/2006/relationships" xmlns:p="http://schemas.openxmlformats.org/presentationml/2006/main">
+  <p:cSld>
+    <p:spTree>
+      <p:nvGrpSpPr>
+        <p:cNvPr id="1" name=""/>
+        <p:cNvGrpSpPr/>
+        <p:nvPr/>
+      </p:nvGrpSpPr>
+      <p:grpSpPr>
+        <a:xfrm>
+          <a:off x="0" y="0"/>
+          <a:ext cx="0" cy="0"/>
+          <a:chOff x="0" y="0"/>
+          <a:chExt cx="0" cy="0"/>
+        </a:xfrm>
+      </p:grpSpPr>
+      <p:sp>
+        <p:nvSpPr>
+          <p:cNvPr id="2" name="Заголовок 1">
+            <a:extLst>
+              <a:ext uri="{FF2B5EF4-FFF2-40B4-BE49-F238E27FC236}">
+                <a16:creationId xmlns:a16="http://schemas.microsoft.com/office/drawing/2014/main" id="{9DB9F55B-CD88-4FF1-8EFF-43D446561255}"/>
+              </a:ext>
+            </a:extLst>
+          </p:cNvPr>
+          <p:cNvSpPr>
+            <a:spLocks noGrp="1"/>
+          </p:cNvSpPr>
+          <p:nvPr>
+            <p:ph type="title"/>
+          </p:nvPr>
+        </p:nvSpPr>
+        <p:spPr/>
+        <p:txBody>
+          <a:bodyPr/>
+          <a:lstStyle/>
+          <a:p>
+            <a:r>
+              <a:rPr lang="ru-RU" dirty="0"/>
+              <a:t>Источники литературы</a:t>
+            </a:r>
+          </a:p>
+        </p:txBody>
+      </p:sp>
+      <p:sp>
+        <p:nvSpPr>
+          <p:cNvPr id="3" name="Объект 2">
+            <a:extLst>
+              <a:ext uri="{FF2B5EF4-FFF2-40B4-BE49-F238E27FC236}">
+                <a16:creationId xmlns:a16="http://schemas.microsoft.com/office/drawing/2014/main" id="{4564DDFD-874F-4F74-A45D-96C24B8D1D3C}"/>
+              </a:ext>
+            </a:extLst>
+          </p:cNvPr>
+          <p:cNvSpPr>
+            <a:spLocks noGrp="1"/>
+          </p:cNvSpPr>
+          <p:nvPr>
+            <p:ph idx="1"/>
+          </p:nvPr>
+        </p:nvSpPr>
+        <p:spPr/>
+        <p:txBody>
+          <a:bodyPr/>
+          <a:lstStyle/>
+          <a:p>
+            <a:endParaRPr lang="ru-RU"/>
+          </a:p>
+        </p:txBody>
+      </p:sp>
+    </p:spTree>
+    <p:extLst>
+      <p:ext uri="{BB962C8B-B14F-4D97-AF65-F5344CB8AC3E}">
+        <p14:creationId xmlns:p14="http://schemas.microsoft.com/office/powerpoint/2010/main" val="2990774970"/>
+      </p:ext>
+    </p:extLst>
+  </p:cSld>
+  <p:clrMapOvr>
+    <a:masterClrMapping/>
+  </p:clrMapOvr>
+</p:sld>
+</file>
+
+<file path=ppt/slides/slide11.xml><?xml version="1.0" encoding="utf-8"?>
+<p:sld xmlns:a="http://schemas.openxmlformats.org/drawingml/2006/main" xmlns:r="http://schemas.openxmlformats.org/officeDocument/2006/relationships" xmlns:p="http://schemas.openxmlformats.org/presentationml/2006/main">
+  <p:cSld>
+    <p:spTree>
+      <p:nvGrpSpPr>
+        <p:cNvPr id="1" name=""/>
+        <p:cNvGrpSpPr/>
+        <p:nvPr/>
+      </p:nvGrpSpPr>
+      <p:grpSpPr>
+        <a:xfrm>
+          <a:off x="0" y="0"/>
+          <a:ext cx="0" cy="0"/>
+          <a:chOff x="0" y="0"/>
+          <a:chExt cx="0" cy="0"/>
+        </a:xfrm>
+      </p:grpSpPr>
+      <p:sp>
+        <p:nvSpPr>
+          <p:cNvPr id="2" name="Заголовок 1">
+            <a:extLst>
+              <a:ext uri="{FF2B5EF4-FFF2-40B4-BE49-F238E27FC236}">
+                <a16:creationId xmlns:a16="http://schemas.microsoft.com/office/drawing/2014/main" id="{A801F8B6-0960-4E9A-854A-01BAB77C6E3B}"/>
+              </a:ext>
+            </a:extLst>
+          </p:cNvPr>
+          <p:cNvSpPr>
+            <a:spLocks noGrp="1"/>
+          </p:cNvSpPr>
+          <p:nvPr>
+            <p:ph type="title"/>
+          </p:nvPr>
+        </p:nvSpPr>
+        <p:spPr/>
+        <p:txBody>
+          <a:bodyPr/>
+          <a:lstStyle/>
+          <a:p>
+            <a:pPr algn="ctr"/>
+            <a:r>
+              <a:rPr lang="ru-RU" dirty="0"/>
+              <a:t>Спасибо за внимание</a:t>
+            </a:r>
+            <a:r>
+              <a:rPr lang="en-US" dirty="0"/>
+              <a:t>!</a:t>
+            </a:r>
+            <a:endParaRPr lang="ru-RU" dirty="0"/>
+          </a:p>
+        </p:txBody>
+      </p:sp>
+      <p:sp>
+        <p:nvSpPr>
+          <p:cNvPr id="3" name="Объект 2">
+            <a:extLst>
+              <a:ext uri="{FF2B5EF4-FFF2-40B4-BE49-F238E27FC236}">
+                <a16:creationId xmlns:a16="http://schemas.microsoft.com/office/drawing/2014/main" id="{F9CDC19E-3C39-48C7-825B-0B44FE78F64E}"/>
+              </a:ext>
+            </a:extLst>
+          </p:cNvPr>
+          <p:cNvSpPr>
+            <a:spLocks noGrp="1"/>
+          </p:cNvSpPr>
+          <p:nvPr>
+            <p:ph idx="1"/>
+          </p:nvPr>
+        </p:nvSpPr>
+        <p:spPr/>
+        <p:txBody>
+          <a:bodyPr/>
+          <a:lstStyle/>
+          <a:p>
+            <a:pPr marL="0" indent="0" algn="ctr">
+              <a:buNone/>
+            </a:pPr>
+            <a:r>
+              <a:rPr lang="ru-RU" dirty="0"/>
+              <a:t>Готовы ответить на ваши вопросы</a:t>
+            </a:r>
+          </a:p>
+        </p:txBody>
+      </p:sp>
+    </p:spTree>
+    <p:extLst>
+      <p:ext uri="{BB962C8B-B14F-4D97-AF65-F5344CB8AC3E}">
+        <p14:creationId xmlns:p14="http://schemas.microsoft.com/office/powerpoint/2010/main" val="2948096503"/>
+      </p:ext>
+    </p:extLst>
+  </p:cSld>
+  <p:clrMapOvr>
+    <a:masterClrMapping/>
+  </p:clrMapOvr>
+</p:sld>
+</file>
+
 <file path=ppt/slides/slide2.xml><?xml version="1.0" encoding="utf-8"?>
 <p:sld xmlns:a="http://schemas.openxmlformats.org/drawingml/2006/main" xmlns:r="http://schemas.openxmlformats.org/officeDocument/2006/relationships" xmlns:p="http://schemas.openxmlformats.org/presentationml/2006/main">
   <p:cSld>
@@ -3588,7 +3965,7 @@
           <a:p>
             <a:r>
               <a:rPr lang="ru-RU" dirty="0"/>
-              <a:t>Файловая система</a:t>
+              <a:t>Файловая система + библиотеки</a:t>
             </a:r>
           </a:p>
         </p:txBody>
@@ -3917,35 +4294,318 @@
           <a:bodyPr/>
           <a:lstStyle/>
           <a:p>
-            <a:endParaRPr lang="ru-RU"/>
-          </a:p>
-        </p:txBody>
-      </p:sp>
-      <p:sp>
-        <p:nvSpPr>
-          <p:cNvPr id="3" name="Объект 2">
-            <a:extLst>
-              <a:ext uri="{FF2B5EF4-FFF2-40B4-BE49-F238E27FC236}">
-                <a16:creationId xmlns:a16="http://schemas.microsoft.com/office/drawing/2014/main" id="{B6BDA31A-0A0B-4B30-A2A5-881E2B7DE2F3}"/>
-              </a:ext>
-            </a:extLst>
-          </p:cNvPr>
-          <p:cNvSpPr>
-            <a:spLocks noGrp="1"/>
-          </p:cNvSpPr>
-          <p:nvPr>
-            <p:ph idx="1"/>
-          </p:nvPr>
-        </p:nvSpPr>
-        <p:spPr/>
-        <p:txBody>
-          <a:bodyPr/>
-          <a:lstStyle/>
-          <a:p>
-            <a:endParaRPr lang="ru-RU"/>
-          </a:p>
-        </p:txBody>
-      </p:sp>
+            <a:r>
+              <a:rPr lang="en-US" dirty="0"/>
+              <a:t>Frontend-</a:t>
+            </a:r>
+            <a:r>
+              <a:rPr lang="ru-RU" dirty="0"/>
+              <a:t>часть проекта</a:t>
+            </a:r>
+          </a:p>
+        </p:txBody>
+      </p:sp>
+      <p:sp>
+        <p:nvSpPr>
+          <p:cNvPr id="4" name="TextBox 3">
+            <a:extLst>
+              <a:ext uri="{FF2B5EF4-FFF2-40B4-BE49-F238E27FC236}">
+                <a16:creationId xmlns:a16="http://schemas.microsoft.com/office/drawing/2014/main" id="{8389A0E7-EE14-4585-82D0-A84BD8B2A6B5}"/>
+              </a:ext>
+            </a:extLst>
+          </p:cNvPr>
+          <p:cNvSpPr txBox="1"/>
+          <p:nvPr/>
+        </p:nvSpPr>
+        <p:spPr>
+          <a:xfrm>
+            <a:off x="838200" y="1506022"/>
+            <a:ext cx="1999268" cy="461665"/>
+          </a:xfrm>
+          <a:prstGeom prst="rect">
+            <a:avLst/>
+          </a:prstGeom>
+          <a:noFill/>
+        </p:spPr>
+        <p:txBody>
+          <a:bodyPr wrap="square" rtlCol="0">
+            <a:spAutoFit/>
+          </a:bodyPr>
+          <a:lstStyle/>
+          <a:p>
+            <a:r>
+              <a:rPr lang="ru-RU" sz="2400" dirty="0"/>
+              <a:t>Шаблоны</a:t>
+            </a:r>
+          </a:p>
+        </p:txBody>
+      </p:sp>
+      <p:pic>
+        <p:nvPicPr>
+          <p:cNvPr id="6" name="Рисунок 5">
+            <a:extLst>
+              <a:ext uri="{FF2B5EF4-FFF2-40B4-BE49-F238E27FC236}">
+                <a16:creationId xmlns:a16="http://schemas.microsoft.com/office/drawing/2014/main" id="{8C7F9608-5D9C-4F38-AE7D-52505BEF02A9}"/>
+              </a:ext>
+            </a:extLst>
+          </p:cNvPr>
+          <p:cNvPicPr>
+            <a:picLocks noChangeAspect="1"/>
+          </p:cNvPicPr>
+          <p:nvPr/>
+        </p:nvPicPr>
+        <p:blipFill>
+          <a:blip r:embed="rId2">
+            <a:extLst>
+              <a:ext uri="{28A0092B-C50C-407E-A947-70E740481C1C}">
+                <a14:useLocalDpi xmlns:a14="http://schemas.microsoft.com/office/drawing/2010/main" val="0"/>
+              </a:ext>
+            </a:extLst>
+          </a:blip>
+          <a:stretch>
+            <a:fillRect/>
+          </a:stretch>
+        </p:blipFill>
+        <p:spPr>
+          <a:xfrm>
+            <a:off x="838200" y="2900907"/>
+            <a:ext cx="3554691" cy="1417254"/>
+          </a:xfrm>
+          <a:prstGeom prst="rect">
+            <a:avLst/>
+          </a:prstGeom>
+        </p:spPr>
+      </p:pic>
+      <p:sp>
+        <p:nvSpPr>
+          <p:cNvPr id="7" name="TextBox 6">
+            <a:extLst>
+              <a:ext uri="{FF2B5EF4-FFF2-40B4-BE49-F238E27FC236}">
+                <a16:creationId xmlns:a16="http://schemas.microsoft.com/office/drawing/2014/main" id="{B8EECD19-6DF7-4FE6-A096-F9AB882F2107}"/>
+              </a:ext>
+            </a:extLst>
+          </p:cNvPr>
+          <p:cNvSpPr txBox="1"/>
+          <p:nvPr/>
+        </p:nvSpPr>
+        <p:spPr>
+          <a:xfrm>
+            <a:off x="7859958" y="1506022"/>
+            <a:ext cx="3493842" cy="461665"/>
+          </a:xfrm>
+          <a:prstGeom prst="rect">
+            <a:avLst/>
+          </a:prstGeom>
+          <a:noFill/>
+        </p:spPr>
+        <p:txBody>
+          <a:bodyPr wrap="none" rtlCol="0">
+            <a:spAutoFit/>
+          </a:bodyPr>
+          <a:lstStyle/>
+          <a:p>
+            <a:r>
+              <a:rPr lang="ru-RU" sz="2400" dirty="0"/>
+              <a:t>Использование </a:t>
+            </a:r>
+            <a:r>
+              <a:rPr lang="en-US" sz="2400" dirty="0"/>
+              <a:t>Bootstrap</a:t>
+            </a:r>
+            <a:endParaRPr lang="ru-RU" sz="2400" dirty="0"/>
+          </a:p>
+        </p:txBody>
+      </p:sp>
+      <p:sp>
+        <p:nvSpPr>
+          <p:cNvPr id="8" name="TextBox 7">
+            <a:extLst>
+              <a:ext uri="{FF2B5EF4-FFF2-40B4-BE49-F238E27FC236}">
+                <a16:creationId xmlns:a16="http://schemas.microsoft.com/office/drawing/2014/main" id="{844F7523-BA62-4A50-84F9-C7E128ED71CC}"/>
+              </a:ext>
+            </a:extLst>
+          </p:cNvPr>
+          <p:cNvSpPr txBox="1"/>
+          <p:nvPr/>
+        </p:nvSpPr>
+        <p:spPr>
+          <a:xfrm>
+            <a:off x="838200" y="2111132"/>
+            <a:ext cx="1999268" cy="738664"/>
+          </a:xfrm>
+          <a:prstGeom prst="rect">
+            <a:avLst/>
+          </a:prstGeom>
+          <a:noFill/>
+        </p:spPr>
+        <p:txBody>
+          <a:bodyPr wrap="square" rtlCol="0">
+            <a:spAutoFit/>
+          </a:bodyPr>
+          <a:lstStyle/>
+          <a:p>
+            <a:r>
+              <a:rPr lang="ru-RU" sz="1400" dirty="0"/>
+              <a:t>Использован </a:t>
+            </a:r>
+            <a:r>
+              <a:rPr lang="ru-RU" sz="1400" dirty="0" err="1"/>
+              <a:t>шаблонизатор</a:t>
+            </a:r>
+            <a:r>
+              <a:rPr lang="ru-RU" sz="1400" dirty="0"/>
+              <a:t> </a:t>
+            </a:r>
+            <a:r>
+              <a:rPr lang="en-US" sz="1400" dirty="0"/>
+              <a:t>Jinja</a:t>
+            </a:r>
+            <a:r>
+              <a:rPr lang="ru-RU" sz="1400" dirty="0"/>
+              <a:t>, в т. ч. циклы, условия, теги. </a:t>
+            </a:r>
+          </a:p>
+        </p:txBody>
+      </p:sp>
+      <p:sp>
+        <p:nvSpPr>
+          <p:cNvPr id="9" name="TextBox 8">
+            <a:extLst>
+              <a:ext uri="{FF2B5EF4-FFF2-40B4-BE49-F238E27FC236}">
+                <a16:creationId xmlns:a16="http://schemas.microsoft.com/office/drawing/2014/main" id="{2B26426E-0CEF-4918-BC26-791604F5325F}"/>
+              </a:ext>
+            </a:extLst>
+          </p:cNvPr>
+          <p:cNvSpPr txBox="1"/>
+          <p:nvPr/>
+        </p:nvSpPr>
+        <p:spPr>
+          <a:xfrm>
+            <a:off x="838200" y="4369273"/>
+            <a:ext cx="1419235" cy="461665"/>
+          </a:xfrm>
+          <a:prstGeom prst="rect">
+            <a:avLst/>
+          </a:prstGeom>
+          <a:noFill/>
+        </p:spPr>
+        <p:txBody>
+          <a:bodyPr wrap="none" rtlCol="0">
+            <a:spAutoFit/>
+          </a:bodyPr>
+          <a:lstStyle/>
+          <a:p>
+            <a:r>
+              <a:rPr lang="en-US" sz="2400" dirty="0"/>
+              <a:t>JavaScript</a:t>
+            </a:r>
+            <a:endParaRPr lang="ru-RU" sz="2400" dirty="0"/>
+          </a:p>
+        </p:txBody>
+      </p:sp>
+      <p:sp>
+        <p:nvSpPr>
+          <p:cNvPr id="10" name="TextBox 9">
+            <a:extLst>
+              <a:ext uri="{FF2B5EF4-FFF2-40B4-BE49-F238E27FC236}">
+                <a16:creationId xmlns:a16="http://schemas.microsoft.com/office/drawing/2014/main" id="{3B08F39B-7A32-412E-B708-5378C20EE20D}"/>
+              </a:ext>
+            </a:extLst>
+          </p:cNvPr>
+          <p:cNvSpPr txBox="1"/>
+          <p:nvPr/>
+        </p:nvSpPr>
+        <p:spPr>
+          <a:xfrm>
+            <a:off x="838199" y="4963212"/>
+            <a:ext cx="4327689" cy="1169551"/>
+          </a:xfrm>
+          <a:prstGeom prst="rect">
+            <a:avLst/>
+          </a:prstGeom>
+          <a:noFill/>
+        </p:spPr>
+        <p:txBody>
+          <a:bodyPr wrap="square" rtlCol="0">
+            <a:spAutoFit/>
+          </a:bodyPr>
+          <a:lstStyle/>
+          <a:p>
+            <a:r>
+              <a:rPr lang="ru-RU" sz="1400" dirty="0"/>
+              <a:t>В проекте много функций реализовано с помощью </a:t>
+            </a:r>
+            <a:r>
+              <a:rPr lang="en-US" sz="1400" dirty="0" err="1"/>
+              <a:t>js</a:t>
+            </a:r>
+            <a:r>
+              <a:rPr lang="ru-RU" sz="1400" dirty="0"/>
+              <a:t> кода</a:t>
+            </a:r>
+            <a:r>
+              <a:rPr lang="en-US" sz="1400" dirty="0"/>
+              <a:t>: </a:t>
+            </a:r>
+            <a:r>
+              <a:rPr lang="ru-RU" sz="1400" dirty="0"/>
+              <a:t>получение данных с сервера в реальном времени без перезарузки страницы, различные анимации и эффекты,</a:t>
+            </a:r>
+            <a:r>
+              <a:rPr lang="en-US" sz="1400" dirty="0"/>
+              <a:t> </a:t>
+            </a:r>
+            <a:r>
+              <a:rPr lang="ru-RU" sz="1400" dirty="0"/>
+              <a:t> создание элементов </a:t>
+            </a:r>
+            <a:r>
+              <a:rPr lang="en-US" sz="1400" dirty="0"/>
+              <a:t>DOM </a:t>
+            </a:r>
+            <a:r>
+              <a:rPr lang="ru-RU" sz="1400" dirty="0"/>
+              <a:t>прямо в браузере.</a:t>
+            </a:r>
+          </a:p>
+        </p:txBody>
+      </p:sp>
+      <p:pic>
+        <p:nvPicPr>
+          <p:cNvPr id="18" name="Рисунок 17">
+            <a:extLst>
+              <a:ext uri="{FF2B5EF4-FFF2-40B4-BE49-F238E27FC236}">
+                <a16:creationId xmlns:a16="http://schemas.microsoft.com/office/drawing/2014/main" id="{715F2EDE-CFFD-4DE3-AAE3-E947EB31C7B2}"/>
+              </a:ext>
+            </a:extLst>
+          </p:cNvPr>
+          <p:cNvPicPr>
+            <a:picLocks noChangeAspect="1"/>
+          </p:cNvPicPr>
+          <p:nvPr/>
+        </p:nvPicPr>
+        <p:blipFill>
+          <a:blip r:embed="rId3">
+            <a:extLst>
+              <a:ext uri="{28A0092B-C50C-407E-A947-70E740481C1C}">
+                <a14:useLocalDpi xmlns:a14="http://schemas.microsoft.com/office/drawing/2010/main" val="0"/>
+              </a:ext>
+            </a:extLst>
+          </a:blip>
+          <a:stretch>
+            <a:fillRect/>
+          </a:stretch>
+        </p:blipFill>
+        <p:spPr>
+          <a:xfrm>
+            <a:off x="5165888" y="4963211"/>
+            <a:ext cx="1919923" cy="1169551"/>
+          </a:xfrm>
+          <a:prstGeom prst="rect">
+            <a:avLst/>
+          </a:prstGeom>
+        </p:spPr>
+      </p:pic>
     </p:spTree>
     <p:extLst>
       <p:ext uri="{BB962C8B-B14F-4D97-AF65-F5344CB8AC3E}">
@@ -3981,7 +4641,7 @@
           <p:cNvPr id="2" name="Заголовок 1">
             <a:extLst>
               <a:ext uri="{FF2B5EF4-FFF2-40B4-BE49-F238E27FC236}">
-                <a16:creationId xmlns:a16="http://schemas.microsoft.com/office/drawing/2014/main" id="{DD8DAEE6-E973-4F99-8884-AD2226973E5D}"/>
+                <a16:creationId xmlns:a16="http://schemas.microsoft.com/office/drawing/2014/main" id="{C95846FA-FA4B-43C6-9B56-8FF46200AEC6}"/>
               </a:ext>
             </a:extLst>
           </p:cNvPr>
@@ -3999,40 +4659,291 @@
           <a:p>
             <a:r>
               <a:rPr lang="ru-RU" dirty="0"/>
-              <a:t>О проекте</a:t>
-            </a:r>
-          </a:p>
-        </p:txBody>
-      </p:sp>
-      <p:sp>
-        <p:nvSpPr>
-          <p:cNvPr id="3" name="Объект 2">
-            <a:extLst>
-              <a:ext uri="{FF2B5EF4-FFF2-40B4-BE49-F238E27FC236}">
-                <a16:creationId xmlns:a16="http://schemas.microsoft.com/office/drawing/2014/main" id="{F241E029-1B54-4319-8AEA-AD77A9DA96EB}"/>
-              </a:ext>
-            </a:extLst>
-          </p:cNvPr>
-          <p:cNvSpPr>
-            <a:spLocks noGrp="1"/>
-          </p:cNvSpPr>
-          <p:nvPr>
-            <p:ph idx="1"/>
-          </p:nvPr>
-        </p:nvSpPr>
-        <p:spPr/>
-        <p:txBody>
-          <a:bodyPr/>
-          <a:lstStyle/>
-          <a:p>
-            <a:endParaRPr lang="ru-RU"/>
+              <a:t>Работа с данными</a:t>
+            </a:r>
+          </a:p>
+        </p:txBody>
+      </p:sp>
+      <p:sp>
+        <p:nvSpPr>
+          <p:cNvPr id="4" name="TextBox 3">
+            <a:extLst>
+              <a:ext uri="{FF2B5EF4-FFF2-40B4-BE49-F238E27FC236}">
+                <a16:creationId xmlns:a16="http://schemas.microsoft.com/office/drawing/2014/main" id="{5D1BC020-6866-4C34-BE12-552A5336E922}"/>
+              </a:ext>
+            </a:extLst>
+          </p:cNvPr>
+          <p:cNvSpPr txBox="1"/>
+          <p:nvPr/>
+        </p:nvSpPr>
+        <p:spPr>
+          <a:xfrm>
+            <a:off x="838199" y="1690688"/>
+            <a:ext cx="1942707" cy="461665"/>
+          </a:xfrm>
+          <a:prstGeom prst="rect">
+            <a:avLst/>
+          </a:prstGeom>
+          <a:noFill/>
+        </p:spPr>
+        <p:txBody>
+          <a:bodyPr wrap="square" rtlCol="0">
+            <a:spAutoFit/>
+          </a:bodyPr>
+          <a:lstStyle/>
+          <a:p>
+            <a:r>
+              <a:rPr lang="en-US" sz="2400" dirty="0"/>
+              <a:t>ORM</a:t>
+            </a:r>
+            <a:r>
+              <a:rPr lang="ru-RU" sz="2400" dirty="0"/>
+              <a:t>-модели</a:t>
+            </a:r>
+          </a:p>
+        </p:txBody>
+      </p:sp>
+      <p:pic>
+        <p:nvPicPr>
+          <p:cNvPr id="6" name="Рисунок 5">
+            <a:extLst>
+              <a:ext uri="{FF2B5EF4-FFF2-40B4-BE49-F238E27FC236}">
+                <a16:creationId xmlns:a16="http://schemas.microsoft.com/office/drawing/2014/main" id="{B8D2063D-B620-4913-850A-EFFFF5CE2735}"/>
+              </a:ext>
+            </a:extLst>
+          </p:cNvPr>
+          <p:cNvPicPr>
+            <a:picLocks noChangeAspect="1"/>
+          </p:cNvPicPr>
+          <p:nvPr/>
+        </p:nvPicPr>
+        <p:blipFill>
+          <a:blip r:embed="rId2">
+            <a:extLst>
+              <a:ext uri="{28A0092B-C50C-407E-A947-70E740481C1C}">
+                <a14:useLocalDpi xmlns:a14="http://schemas.microsoft.com/office/drawing/2010/main" val="0"/>
+              </a:ext>
+            </a:extLst>
+          </a:blip>
+          <a:stretch>
+            <a:fillRect/>
+          </a:stretch>
+        </p:blipFill>
+        <p:spPr>
+          <a:xfrm>
+            <a:off x="838199" y="2337848"/>
+            <a:ext cx="5530542" cy="1759718"/>
+          </a:xfrm>
+          <a:prstGeom prst="rect">
+            <a:avLst/>
+          </a:prstGeom>
+        </p:spPr>
+      </p:pic>
+      <p:pic>
+        <p:nvPicPr>
+          <p:cNvPr id="8" name="Рисунок 7">
+            <a:extLst>
+              <a:ext uri="{FF2B5EF4-FFF2-40B4-BE49-F238E27FC236}">
+                <a16:creationId xmlns:a16="http://schemas.microsoft.com/office/drawing/2014/main" id="{E98244E3-C338-4529-A544-5DE895B9D4A7}"/>
+              </a:ext>
+            </a:extLst>
+          </p:cNvPr>
+          <p:cNvPicPr>
+            <a:picLocks noChangeAspect="1"/>
+          </p:cNvPicPr>
+          <p:nvPr/>
+        </p:nvPicPr>
+        <p:blipFill>
+          <a:blip r:embed="rId3">
+            <a:extLst>
+              <a:ext uri="{28A0092B-C50C-407E-A947-70E740481C1C}">
+                <a14:useLocalDpi xmlns:a14="http://schemas.microsoft.com/office/drawing/2010/main" val="0"/>
+              </a:ext>
+            </a:extLst>
+          </a:blip>
+          <a:stretch>
+            <a:fillRect/>
+          </a:stretch>
+        </p:blipFill>
+        <p:spPr>
+          <a:xfrm>
+            <a:off x="828186" y="4562573"/>
+            <a:ext cx="5540555" cy="1452225"/>
+          </a:xfrm>
+          <a:prstGeom prst="rect">
+            <a:avLst/>
+          </a:prstGeom>
+        </p:spPr>
+      </p:pic>
+      <p:pic>
+        <p:nvPicPr>
+          <p:cNvPr id="10" name="Рисунок 9">
+            <a:extLst>
+              <a:ext uri="{FF2B5EF4-FFF2-40B4-BE49-F238E27FC236}">
+                <a16:creationId xmlns:a16="http://schemas.microsoft.com/office/drawing/2014/main" id="{CF93D662-9408-4ED0-B9F2-0CFE916A42FB}"/>
+              </a:ext>
+            </a:extLst>
+          </p:cNvPr>
+          <p:cNvPicPr>
+            <a:picLocks noChangeAspect="1"/>
+          </p:cNvPicPr>
+          <p:nvPr/>
+        </p:nvPicPr>
+        <p:blipFill>
+          <a:blip r:embed="rId4">
+            <a:extLst>
+              <a:ext uri="{28A0092B-C50C-407E-A947-70E740481C1C}">
+                <a14:useLocalDpi xmlns:a14="http://schemas.microsoft.com/office/drawing/2010/main" val="0"/>
+              </a:ext>
+            </a:extLst>
+          </a:blip>
+          <a:stretch>
+            <a:fillRect/>
+          </a:stretch>
+        </p:blipFill>
+        <p:spPr>
+          <a:xfrm>
+            <a:off x="6774238" y="4562926"/>
+            <a:ext cx="4943279" cy="1451872"/>
+          </a:xfrm>
+          <a:prstGeom prst="rect">
+            <a:avLst/>
+          </a:prstGeom>
+        </p:spPr>
+      </p:pic>
+      <p:sp>
+        <p:nvSpPr>
+          <p:cNvPr id="11" name="TextBox 10">
+            <a:extLst>
+              <a:ext uri="{FF2B5EF4-FFF2-40B4-BE49-F238E27FC236}">
+                <a16:creationId xmlns:a16="http://schemas.microsoft.com/office/drawing/2014/main" id="{74F27428-669A-48C1-BEAA-D84CD2F5C2A8}"/>
+              </a:ext>
+            </a:extLst>
+          </p:cNvPr>
+          <p:cNvSpPr txBox="1"/>
+          <p:nvPr/>
+        </p:nvSpPr>
+        <p:spPr>
+          <a:xfrm>
+            <a:off x="6774238" y="1690688"/>
+            <a:ext cx="3601887" cy="461665"/>
+          </a:xfrm>
+          <a:prstGeom prst="rect">
+            <a:avLst/>
+          </a:prstGeom>
+          <a:noFill/>
+        </p:spPr>
+        <p:txBody>
+          <a:bodyPr wrap="square" rtlCol="0">
+            <a:spAutoFit/>
+          </a:bodyPr>
+          <a:lstStyle/>
+          <a:p>
+            <a:r>
+              <a:rPr lang="ru-RU" sz="2400" dirty="0"/>
+              <a:t>Организация БД</a:t>
+            </a:r>
+          </a:p>
+        </p:txBody>
+      </p:sp>
+      <p:sp>
+        <p:nvSpPr>
+          <p:cNvPr id="12" name="TextBox 11">
+            <a:extLst>
+              <a:ext uri="{FF2B5EF4-FFF2-40B4-BE49-F238E27FC236}">
+                <a16:creationId xmlns:a16="http://schemas.microsoft.com/office/drawing/2014/main" id="{920DEE1E-8796-40DC-9664-73425EEE9A09}"/>
+              </a:ext>
+            </a:extLst>
+          </p:cNvPr>
+          <p:cNvSpPr txBox="1"/>
+          <p:nvPr/>
+        </p:nvSpPr>
+        <p:spPr>
+          <a:xfrm>
+            <a:off x="6774238" y="2225969"/>
+            <a:ext cx="4443953" cy="2308324"/>
+          </a:xfrm>
+          <a:prstGeom prst="rect">
+            <a:avLst/>
+          </a:prstGeom>
+          <a:noFill/>
+        </p:spPr>
+        <p:txBody>
+          <a:bodyPr wrap="square" rtlCol="0">
+            <a:spAutoFit/>
+          </a:bodyPr>
+          <a:lstStyle/>
+          <a:p>
+            <a:r>
+              <a:rPr lang="ru-RU" dirty="0"/>
+              <a:t>В проекте используется СУБД </a:t>
+            </a:r>
+            <a:r>
+              <a:rPr lang="en-US" dirty="0" err="1"/>
+              <a:t>Sqlite</a:t>
+            </a:r>
+            <a:r>
+              <a:rPr lang="ru-RU" dirty="0"/>
+              <a:t>. </a:t>
+            </a:r>
+          </a:p>
+          <a:p>
+            <a:pPr marL="342900" indent="-342900">
+              <a:buAutoNum type="arabicPeriod"/>
+            </a:pPr>
+            <a:r>
+              <a:rPr lang="ru-RU" dirty="0"/>
+              <a:t>Все таблицы между собой имеют связи(</a:t>
+            </a:r>
+            <a:r>
+              <a:rPr lang="en-US" dirty="0"/>
+              <a:t>many to one, one to one</a:t>
+            </a:r>
+            <a:r>
+              <a:rPr lang="ru-RU" dirty="0"/>
+              <a:t>).</a:t>
+            </a:r>
+          </a:p>
+          <a:p>
+            <a:pPr marL="342900" indent="-342900">
+              <a:buAutoNum type="arabicPeriod"/>
+            </a:pPr>
+            <a:r>
+              <a:rPr lang="ru-RU" dirty="0"/>
+              <a:t>Все </a:t>
+            </a:r>
+            <a:r>
+              <a:rPr lang="en-US" dirty="0"/>
+              <a:t>SQL </a:t>
+            </a:r>
+            <a:r>
+              <a:rPr lang="ru-RU" dirty="0"/>
+              <a:t>операции проходят через </a:t>
+            </a:r>
+            <a:r>
+              <a:rPr lang="en-US" dirty="0"/>
+              <a:t>ORM </a:t>
+            </a:r>
+            <a:r>
+              <a:rPr lang="ru-RU" dirty="0"/>
+              <a:t>движок.</a:t>
+            </a:r>
+          </a:p>
+          <a:p>
+            <a:pPr marL="342900" indent="-342900">
+              <a:buAutoNum type="arabicPeriod"/>
+            </a:pPr>
+            <a:r>
+              <a:rPr lang="ru-RU" dirty="0"/>
+              <a:t>Определенные действия пользователя приводят к изменению, добавлению или чтению данных.</a:t>
+            </a:r>
           </a:p>
         </p:txBody>
       </p:sp>
     </p:spTree>
     <p:extLst>
       <p:ext uri="{BB962C8B-B14F-4D97-AF65-F5344CB8AC3E}">
-        <p14:creationId xmlns:p14="http://schemas.microsoft.com/office/powerpoint/2010/main" val="4082803565"/>
+        <p14:creationId xmlns:p14="http://schemas.microsoft.com/office/powerpoint/2010/main" val="2451720246"/>
       </p:ext>
     </p:extLst>
   </p:cSld>
@@ -4064,7 +4975,7 @@
           <p:cNvPr id="2" name="Заголовок 1">
             <a:extLst>
               <a:ext uri="{FF2B5EF4-FFF2-40B4-BE49-F238E27FC236}">
-                <a16:creationId xmlns:a16="http://schemas.microsoft.com/office/drawing/2014/main" id="{9DB9F55B-CD88-4FF1-8EFF-43D446561255}"/>
+                <a16:creationId xmlns:a16="http://schemas.microsoft.com/office/drawing/2014/main" id="{DE2696B1-AFA5-4A65-B5FD-D3CA3D3ACEDB}"/>
               </a:ext>
             </a:extLst>
           </p:cNvPr>
@@ -4080,10 +4991,7 @@
           <a:bodyPr/>
           <a:lstStyle/>
           <a:p>
-            <a:r>
-              <a:rPr lang="ru-RU" dirty="0"/>
-              <a:t>Источники литературы</a:t>
-            </a:r>
+            <a:endParaRPr lang="ru-RU"/>
           </a:p>
         </p:txBody>
       </p:sp>
@@ -4092,7 +5000,7 @@
           <p:cNvPr id="3" name="Объект 2">
             <a:extLst>
               <a:ext uri="{FF2B5EF4-FFF2-40B4-BE49-F238E27FC236}">
-                <a16:creationId xmlns:a16="http://schemas.microsoft.com/office/drawing/2014/main" id="{4564DDFD-874F-4F74-A45D-96C24B8D1D3C}"/>
+                <a16:creationId xmlns:a16="http://schemas.microsoft.com/office/drawing/2014/main" id="{936BF50B-FE53-4679-82B1-8803347CB18C}"/>
               </a:ext>
             </a:extLst>
           </p:cNvPr>
@@ -4115,7 +5023,7 @@
     </p:spTree>
     <p:extLst>
       <p:ext uri="{BB962C8B-B14F-4D97-AF65-F5344CB8AC3E}">
-        <p14:creationId xmlns:p14="http://schemas.microsoft.com/office/powerpoint/2010/main" val="2990774970"/>
+        <p14:creationId xmlns:p14="http://schemas.microsoft.com/office/powerpoint/2010/main" val="2819910463"/>
       </p:ext>
     </p:extLst>
   </p:cSld>
@@ -4147,7 +5055,7 @@
           <p:cNvPr id="2" name="Заголовок 1">
             <a:extLst>
               <a:ext uri="{FF2B5EF4-FFF2-40B4-BE49-F238E27FC236}">
-                <a16:creationId xmlns:a16="http://schemas.microsoft.com/office/drawing/2014/main" id="{A801F8B6-0960-4E9A-854A-01BAB77C6E3B}"/>
+                <a16:creationId xmlns:a16="http://schemas.microsoft.com/office/drawing/2014/main" id="{DD8DAEE6-E973-4F99-8884-AD2226973E5D}"/>
               </a:ext>
             </a:extLst>
           </p:cNvPr>
@@ -4163,16 +5071,10 @@
           <a:bodyPr/>
           <a:lstStyle/>
           <a:p>
-            <a:pPr algn="ctr"/>
             <a:r>
               <a:rPr lang="ru-RU" dirty="0"/>
-              <a:t>Спасибо за внимание</a:t>
-            </a:r>
-            <a:r>
-              <a:rPr lang="en-US" dirty="0"/>
-              <a:t>!</a:t>
-            </a:r>
-            <a:endParaRPr lang="ru-RU" dirty="0"/>
+              <a:t>О проекте</a:t>
+            </a:r>
           </a:p>
         </p:txBody>
       </p:sp>
@@ -4181,7 +5083,7 @@
           <p:cNvPr id="3" name="Объект 2">
             <a:extLst>
               <a:ext uri="{FF2B5EF4-FFF2-40B4-BE49-F238E27FC236}">
-                <a16:creationId xmlns:a16="http://schemas.microsoft.com/office/drawing/2014/main" id="{F9CDC19E-3C39-48C7-825B-0B44FE78F64E}"/>
+                <a16:creationId xmlns:a16="http://schemas.microsoft.com/office/drawing/2014/main" id="{F241E029-1B54-4319-8AEA-AD77A9DA96EB}"/>
               </a:ext>
             </a:extLst>
           </p:cNvPr>
@@ -4197,20 +5099,14 @@
           <a:bodyPr/>
           <a:lstStyle/>
           <a:p>
-            <a:pPr marL="0" indent="0" algn="ctr">
-              <a:buNone/>
-            </a:pPr>
-            <a:r>
-              <a:rPr lang="ru-RU" dirty="0"/>
-              <a:t>Готовы ответить на ваши вопросы</a:t>
-            </a:r>
+            <a:endParaRPr lang="ru-RU"/>
           </a:p>
         </p:txBody>
       </p:sp>
     </p:spTree>
     <p:extLst>
       <p:ext uri="{BB962C8B-B14F-4D97-AF65-F5344CB8AC3E}">
-        <p14:creationId xmlns:p14="http://schemas.microsoft.com/office/powerpoint/2010/main" val="2948096503"/>
+        <p14:creationId xmlns:p14="http://schemas.microsoft.com/office/powerpoint/2010/main" val="4082803565"/>
       </p:ext>
     </p:extLst>
   </p:cSld>
@@ -4513,4 +5409,299 @@
     </a:ext>
   </a:extLst>
 </a:theme>
+</file>
+
+<file path=ppt/theme/theme2.xml><?xml version="1.0" encoding="utf-8"?>
+<a:theme xmlns:a="http://schemas.openxmlformats.org/drawingml/2006/main" name="Тема Office">
+  <a:themeElements>
+    <a:clrScheme name="Стандартная">
+      <a:dk1>
+        <a:sysClr val="windowText" lastClr="000000"/>
+      </a:dk1>
+      <a:lt1>
+        <a:sysClr val="window" lastClr="FFFFFF"/>
+      </a:lt1>
+      <a:dk2>
+        <a:srgbClr val="44546A"/>
+      </a:dk2>
+      <a:lt2>
+        <a:srgbClr val="E7E6E6"/>
+      </a:lt2>
+      <a:accent1>
+        <a:srgbClr val="4472C4"/>
+      </a:accent1>
+      <a:accent2>
+        <a:srgbClr val="ED7D31"/>
+      </a:accent2>
+      <a:accent3>
+        <a:srgbClr val="A5A5A5"/>
+      </a:accent3>
+      <a:accent4>
+        <a:srgbClr val="FFC000"/>
+      </a:accent4>
+      <a:accent5>
+        <a:srgbClr val="5B9BD5"/>
+      </a:accent5>
+      <a:accent6>
+        <a:srgbClr val="70AD47"/>
+      </a:accent6>
+      <a:hlink>
+        <a:srgbClr val="0563C1"/>
+      </a:hlink>
+      <a:folHlink>
+        <a:srgbClr val="954F72"/>
+      </a:folHlink>
+    </a:clrScheme>
+    <a:fontScheme name="Стандартная">
+      <a:majorFont>
+        <a:latin typeface="Calibri Light" panose="020F0302020204030204"/>
+        <a:ea typeface=""/>
+        <a:cs typeface=""/>
+        <a:font script="Jpan" typeface="游ゴシック Light"/>
+        <a:font script="Hang" typeface="맑은 고딕"/>
+        <a:font script="Hans" typeface="等线 Light"/>
+        <a:font script="Hant" typeface="新細明體"/>
+        <a:font script="Arab" typeface="Times New Roman"/>
+        <a:font script="Hebr" typeface="Times New Roman"/>
+        <a:font script="Thai" typeface="Angsana New"/>
+        <a:font script="Ethi" typeface="Nyala"/>
+        <a:font script="Beng" typeface="Vrinda"/>
+        <a:font script="Gujr" typeface="Shruti"/>
+        <a:font script="Khmr" typeface="MoolBoran"/>
+        <a:font script="Knda" typeface="Tunga"/>
+        <a:font script="Guru" typeface="Raavi"/>
+        <a:font script="Cans" typeface="Euphemia"/>
+        <a:font script="Cher" typeface="Plantagenet Cherokee"/>
+        <a:font script="Yiii" typeface="Microsoft Yi Baiti"/>
+        <a:font script="Tibt" typeface="Microsoft Himalaya"/>
+        <a:font script="Thaa" typeface="MV Boli"/>
+        <a:font script="Deva" typeface="Mangal"/>
+        <a:font script="Telu" typeface="Gautami"/>
+        <a:font script="Taml" typeface="Latha"/>
+        <a:font script="Syrc" typeface="Estrangelo Edessa"/>
+        <a:font script="Orya" typeface="Kalinga"/>
+        <a:font script="Mlym" typeface="Kartika"/>
+        <a:font script="Laoo" typeface="DokChampa"/>
+        <a:font script="Sinh" typeface="Iskoola Pota"/>
+        <a:font script="Mong" typeface="Mongolian Baiti"/>
+        <a:font script="Viet" typeface="Times New Roman"/>
+        <a:font script="Uigh" typeface="Microsoft Uighur"/>
+        <a:font script="Geor" typeface="Sylfaen"/>
+        <a:font script="Armn" typeface="Arial"/>
+        <a:font script="Bugi" typeface="Leelawadee UI"/>
+        <a:font script="Bopo" typeface="Microsoft JhengHei"/>
+        <a:font script="Java" typeface="Javanese Text"/>
+        <a:font script="Lisu" typeface="Segoe UI"/>
+        <a:font script="Mymr" typeface="Myanmar Text"/>
+        <a:font script="Nkoo" typeface="Ebrima"/>
+        <a:font script="Olck" typeface="Nirmala UI"/>
+        <a:font script="Osma" typeface="Ebrima"/>
+        <a:font script="Phag" typeface="Phagspa"/>
+        <a:font script="Syrn" typeface="Estrangelo Edessa"/>
+        <a:font script="Syrj" typeface="Estrangelo Edessa"/>
+        <a:font script="Syre" typeface="Estrangelo Edessa"/>
+        <a:font script="Sora" typeface="Nirmala UI"/>
+        <a:font script="Tale" typeface="Microsoft Tai Le"/>
+        <a:font script="Talu" typeface="Microsoft New Tai Lue"/>
+        <a:font script="Tfng" typeface="Ebrima"/>
+      </a:majorFont>
+      <a:minorFont>
+        <a:latin typeface="Calibri" panose="020F0502020204030204"/>
+        <a:ea typeface=""/>
+        <a:cs typeface=""/>
+        <a:font script="Jpan" typeface="游ゴシック"/>
+        <a:font script="Hang" typeface="맑은 고딕"/>
+        <a:font script="Hans" typeface="等线"/>
+        <a:font script="Hant" typeface="新細明體"/>
+        <a:font script="Arab" typeface="Arial"/>
+        <a:font script="Hebr" typeface="Arial"/>
+        <a:font script="Thai" typeface="Cordia New"/>
+        <a:font script="Ethi" typeface="Nyala"/>
+        <a:font script="Beng" typeface="Vrinda"/>
+        <a:font script="Gujr" typeface="Shruti"/>
+        <a:font script="Khmr" typeface="DaunPenh"/>
+        <a:font script="Knda" typeface="Tunga"/>
+        <a:font script="Guru" typeface="Raavi"/>
+        <a:font script="Cans" typeface="Euphemia"/>
+        <a:font script="Cher" typeface="Plantagenet Cherokee"/>
+        <a:font script="Yiii" typeface="Microsoft Yi Baiti"/>
+        <a:font script="Tibt" typeface="Microsoft Himalaya"/>
+        <a:font script="Thaa" typeface="MV Boli"/>
+        <a:font script="Deva" typeface="Mangal"/>
+        <a:font script="Telu" typeface="Gautami"/>
+        <a:font script="Taml" typeface="Latha"/>
+        <a:font script="Syrc" typeface="Estrangelo Edessa"/>
+        <a:font script="Orya" typeface="Kalinga"/>
+        <a:font script="Mlym" typeface="Kartika"/>
+        <a:font script="Laoo" typeface="DokChampa"/>
+        <a:font script="Sinh" typeface="Iskoola Pota"/>
+        <a:font script="Mong" typeface="Mongolian Baiti"/>
+        <a:font script="Viet" typeface="Arial"/>
+        <a:font script="Uigh" typeface="Microsoft Uighur"/>
+        <a:font script="Geor" typeface="Sylfaen"/>
+        <a:font script="Armn" typeface="Arial"/>
+        <a:font script="Bugi" typeface="Leelawadee UI"/>
+        <a:font script="Bopo" typeface="Microsoft JhengHei"/>
+        <a:font script="Java" typeface="Javanese Text"/>
+        <a:font script="Lisu" typeface="Segoe UI"/>
+        <a:font script="Mymr" typeface="Myanmar Text"/>
+        <a:font script="Nkoo" typeface="Ebrima"/>
+        <a:font script="Olck" typeface="Nirmala UI"/>
+        <a:font script="Osma" typeface="Ebrima"/>
+        <a:font script="Phag" typeface="Phagspa"/>
+        <a:font script="Syrn" typeface="Estrangelo Edessa"/>
+        <a:font script="Syrj" typeface="Estrangelo Edessa"/>
+        <a:font script="Syre" typeface="Estrangelo Edessa"/>
+        <a:font script="Sora" typeface="Nirmala UI"/>
+        <a:font script="Tale" typeface="Microsoft Tai Le"/>
+        <a:font script="Talu" typeface="Microsoft New Tai Lue"/>
+        <a:font script="Tfng" typeface="Ebrima"/>
+      </a:minorFont>
+    </a:fontScheme>
+    <a:fmtScheme name="Стандартная">
+      <a:fillStyleLst>
+        <a:solidFill>
+          <a:schemeClr val="phClr"/>
+        </a:solidFill>
+        <a:gradFill rotWithShape="1">
+          <a:gsLst>
+            <a:gs pos="0">
+              <a:schemeClr val="phClr">
+                <a:lumMod val="110000"/>
+                <a:satMod val="105000"/>
+                <a:tint val="67000"/>
+              </a:schemeClr>
+            </a:gs>
+            <a:gs pos="50000">
+              <a:schemeClr val="phClr">
+                <a:lumMod val="105000"/>
+                <a:satMod val="103000"/>
+                <a:tint val="73000"/>
+              </a:schemeClr>
+            </a:gs>
+            <a:gs pos="100000">
+              <a:schemeClr val="phClr">
+                <a:lumMod val="105000"/>
+                <a:satMod val="109000"/>
+                <a:tint val="81000"/>
+              </a:schemeClr>
+            </a:gs>
+          </a:gsLst>
+          <a:lin ang="5400000" scaled="0"/>
+        </a:gradFill>
+        <a:gradFill rotWithShape="1">
+          <a:gsLst>
+            <a:gs pos="0">
+              <a:schemeClr val="phClr">
+                <a:satMod val="103000"/>
+                <a:lumMod val="102000"/>
+                <a:tint val="94000"/>
+              </a:schemeClr>
+            </a:gs>
+            <a:gs pos="50000">
+              <a:schemeClr val="phClr">
+                <a:satMod val="110000"/>
+                <a:lumMod val="100000"/>
+                <a:shade val="100000"/>
+              </a:schemeClr>
+            </a:gs>
+            <a:gs pos="100000">
+              <a:schemeClr val="phClr">
+                <a:lumMod val="99000"/>
+                <a:satMod val="120000"/>
+                <a:shade val="78000"/>
+              </a:schemeClr>
+            </a:gs>
+          </a:gsLst>
+          <a:lin ang="5400000" scaled="0"/>
+        </a:gradFill>
+      </a:fillStyleLst>
+      <a:lnStyleLst>
+        <a:ln w="6350" cap="flat" cmpd="sng" algn="ctr">
+          <a:solidFill>
+            <a:schemeClr val="phClr"/>
+          </a:solidFill>
+          <a:prstDash val="solid"/>
+          <a:miter lim="800000"/>
+        </a:ln>
+        <a:ln w="12700" cap="flat" cmpd="sng" algn="ctr">
+          <a:solidFill>
+            <a:schemeClr val="phClr"/>
+          </a:solidFill>
+          <a:prstDash val="solid"/>
+          <a:miter lim="800000"/>
+        </a:ln>
+        <a:ln w="19050" cap="flat" cmpd="sng" algn="ctr">
+          <a:solidFill>
+            <a:schemeClr val="phClr"/>
+          </a:solidFill>
+          <a:prstDash val="solid"/>
+          <a:miter lim="800000"/>
+        </a:ln>
+      </a:lnStyleLst>
+      <a:effectStyleLst>
+        <a:effectStyle>
+          <a:effectLst/>
+        </a:effectStyle>
+        <a:effectStyle>
+          <a:effectLst/>
+        </a:effectStyle>
+        <a:effectStyle>
+          <a:effectLst>
+            <a:outerShdw blurRad="57150" dist="19050" dir="5400000" algn="ctr" rotWithShape="0">
+              <a:srgbClr val="000000">
+                <a:alpha val="63000"/>
+              </a:srgbClr>
+            </a:outerShdw>
+          </a:effectLst>
+        </a:effectStyle>
+      </a:effectStyleLst>
+      <a:bgFillStyleLst>
+        <a:solidFill>
+          <a:schemeClr val="phClr"/>
+        </a:solidFill>
+        <a:solidFill>
+          <a:schemeClr val="phClr">
+            <a:tint val="95000"/>
+            <a:satMod val="170000"/>
+          </a:schemeClr>
+        </a:solidFill>
+        <a:gradFill rotWithShape="1">
+          <a:gsLst>
+            <a:gs pos="0">
+              <a:schemeClr val="phClr">
+                <a:tint val="93000"/>
+                <a:satMod val="150000"/>
+                <a:shade val="98000"/>
+                <a:lumMod val="102000"/>
+              </a:schemeClr>
+            </a:gs>
+            <a:gs pos="50000">
+              <a:schemeClr val="phClr">
+                <a:tint val="98000"/>
+                <a:satMod val="130000"/>
+                <a:shade val="90000"/>
+                <a:lumMod val="103000"/>
+              </a:schemeClr>
+            </a:gs>
+            <a:gs pos="100000">
+              <a:schemeClr val="phClr">
+                <a:shade val="63000"/>
+                <a:satMod val="120000"/>
+              </a:schemeClr>
+            </a:gs>
+          </a:gsLst>
+          <a:lin ang="5400000" scaled="0"/>
+        </a:gradFill>
+      </a:bgFillStyleLst>
+    </a:fmtScheme>
+  </a:themeElements>
+  <a:objectDefaults/>
+  <a:extraClrSchemeLst/>
+  <a:extLst>
+    <a:ext uri="{05A4C25C-085E-4340-85A3-A5531E510DB2}">
+      <thm15:themeFamily xmlns:thm15="http://schemas.microsoft.com/office/thememl/2012/main" name="Office Theme" id="{62F939B6-93AF-4DB8-9C6B-D6C7DFDC589F}" vid="{4A3C46E8-61CC-4603-A589-7422A47A8E4A}"/>
+    </a:ext>
+  </a:extLst>
+</a:theme>
 </file>
--- a/materials/Presentation.pptx
+++ b/materials/Presentation.pptx
@@ -5,20 +5,24 @@
     <p:sldMasterId id="2147483648" r:id="rId1"/>
   </p:sldMasterIdLst>
   <p:handoutMasterIdLst>
-    <p:handoutMasterId r:id="rId13"/>
+    <p:handoutMasterId r:id="rId17"/>
   </p:handoutMasterIdLst>
   <p:sldIdLst>
     <p:sldId id="256" r:id="rId2"/>
     <p:sldId id="257" r:id="rId3"/>
     <p:sldId id="258" r:id="rId4"/>
     <p:sldId id="259" r:id="rId5"/>
-    <p:sldId id="260" r:id="rId6"/>
-    <p:sldId id="261" r:id="rId7"/>
-    <p:sldId id="265" r:id="rId8"/>
-    <p:sldId id="266" r:id="rId9"/>
-    <p:sldId id="262" r:id="rId10"/>
-    <p:sldId id="263" r:id="rId11"/>
-    <p:sldId id="264" r:id="rId12"/>
+    <p:sldId id="261" r:id="rId6"/>
+    <p:sldId id="265" r:id="rId7"/>
+    <p:sldId id="266" r:id="rId8"/>
+    <p:sldId id="262" r:id="rId9"/>
+    <p:sldId id="267" r:id="rId10"/>
+    <p:sldId id="268" r:id="rId11"/>
+    <p:sldId id="269" r:id="rId12"/>
+    <p:sldId id="270" r:id="rId13"/>
+    <p:sldId id="271" r:id="rId14"/>
+    <p:sldId id="263" r:id="rId15"/>
+    <p:sldId id="264" r:id="rId16"/>
   </p:sldIdLst>
   <p:sldSz cx="12192000" cy="6858000"/>
   <p:notesSz cx="6858000" cy="9144000"/>
@@ -121,8 +125,60 @@
     <p:ext uri="{EFAFB233-063F-42B5-8137-9DF3F51BA10A}">
       <p15:sldGuideLst xmlns:p15="http://schemas.microsoft.com/office/powerpoint/2012/main"/>
     </p:ext>
+    <p:ext uri="{2D200454-40CA-4A62-9FC3-DE9A4176ACB9}">
+      <p15:notesGuideLst xmlns:p15="http://schemas.microsoft.com/office/powerpoint/2012/main"/>
+    </p:ext>
   </p:extLst>
 </p:presentation>
+</file>
+
+<file path=ppt/commentAuthors.xml><?xml version="1.0" encoding="utf-8"?>
+<p:cmAuthorLst xmlns:a="http://schemas.openxmlformats.org/drawingml/2006/main" xmlns:r="http://schemas.openxmlformats.org/officeDocument/2006/relationships" xmlns:p="http://schemas.openxmlformats.org/presentationml/2006/main">
+  <p:cmAuthor id="1" name="Егор Челноков" initials="ЕЧ" lastIdx="3" clrIdx="0">
+    <p:extLst>
+      <p:ext uri="{19B8F6BF-5375-455C-9EA6-DF929625EA0E}">
+        <p15:presenceInfo xmlns:p15="http://schemas.microsoft.com/office/powerpoint/2012/main" userId="70e62e90860f3b58" providerId="Windows Live"/>
+      </p:ext>
+    </p:extLst>
+  </p:cmAuthor>
+</p:cmAuthorLst>
+</file>
+
+<file path=ppt/comments/comment1.xml><?xml version="1.0" encoding="utf-8"?>
+<p:cmLst xmlns:a="http://schemas.openxmlformats.org/drawingml/2006/main" xmlns:r="http://schemas.openxmlformats.org/officeDocument/2006/relationships" xmlns:p="http://schemas.openxmlformats.org/presentationml/2006/main">
+  <p:cm authorId="1" dt="2025-04-23T23:03:49.871" idx="3">
+    <p:pos x="10" y="10"/>
+    <p:text/>
+    <p:extLst>
+      <p:ext uri="{C676402C-5697-4E1C-873F-D02D1690AC5C}">
+        <p15:threadingInfo xmlns:p15="http://schemas.microsoft.com/office/powerpoint/2012/main" timeZoneBias="-180"/>
+      </p:ext>
+    </p:extLst>
+  </p:cm>
+</p:cmLst>
+</file>
+
+<file path=ppt/comments/comment2.xml><?xml version="1.0" encoding="utf-8"?>
+<p:cmLst xmlns:a="http://schemas.openxmlformats.org/drawingml/2006/main" xmlns:r="http://schemas.openxmlformats.org/officeDocument/2006/relationships" xmlns:p="http://schemas.openxmlformats.org/presentationml/2006/main">
+  <p:cm authorId="1" dt="2025-04-23T22:49:37.955" idx="1">
+    <p:pos x="10" y="10"/>
+    <p:text/>
+    <p:extLst>
+      <p:ext uri="{C676402C-5697-4E1C-873F-D02D1690AC5C}">
+        <p15:threadingInfo xmlns:p15="http://schemas.microsoft.com/office/powerpoint/2012/main" timeZoneBias="-180"/>
+      </p:ext>
+    </p:extLst>
+  </p:cm>
+  <p:cm authorId="1" dt="2025-04-23T22:49:41.790" idx="2">
+    <p:pos x="146" y="146"/>
+    <p:text/>
+    <p:extLst>
+      <p:ext uri="{C676402C-5697-4E1C-873F-D02D1690AC5C}">
+        <p15:threadingInfo xmlns:p15="http://schemas.microsoft.com/office/powerpoint/2012/main" timeZoneBias="-180"/>
+      </p:ext>
+    </p:extLst>
+  </p:cm>
+</p:cmLst>
 </file>
 
 <file path=ppt/handoutMasters/handoutMaster1.xml><?xml version="1.0" encoding="utf-8"?>
@@ -219,7 +275,7 @@
           <a:p>
             <a:fld id="{5F2F58A1-2790-466B-BDFD-2B7176D4BEF3}" type="datetimeFigureOut">
               <a:rPr lang="ru-RU" smtClean="0"/>
-              <a:t>22.04.2025</a:t>
+              <a:t>23.04.2025</a:t>
             </a:fld>
             <a:endParaRPr lang="ru-RU"/>
           </a:p>
@@ -461,7 +517,7 @@
           <a:p>
             <a:fld id="{BEAE42B0-126B-40D2-8603-60E526B3C4CA}" type="datetimeFigureOut">
               <a:rPr lang="ru-RU" smtClean="0"/>
-              <a:t>22.04.2025</a:t>
+              <a:t>23.04.2025</a:t>
             </a:fld>
             <a:endParaRPr lang="ru-RU"/>
           </a:p>
@@ -659,7 +715,7 @@
           <a:p>
             <a:fld id="{BEAE42B0-126B-40D2-8603-60E526B3C4CA}" type="datetimeFigureOut">
               <a:rPr lang="ru-RU" smtClean="0"/>
-              <a:t>22.04.2025</a:t>
+              <a:t>23.04.2025</a:t>
             </a:fld>
             <a:endParaRPr lang="ru-RU"/>
           </a:p>
@@ -867,7 +923,7 @@
           <a:p>
             <a:fld id="{BEAE42B0-126B-40D2-8603-60E526B3C4CA}" type="datetimeFigureOut">
               <a:rPr lang="ru-RU" smtClean="0"/>
-              <a:t>22.04.2025</a:t>
+              <a:t>23.04.2025</a:t>
             </a:fld>
             <a:endParaRPr lang="ru-RU"/>
           </a:p>
@@ -1065,7 +1121,7 @@
           <a:p>
             <a:fld id="{BEAE42B0-126B-40D2-8603-60E526B3C4CA}" type="datetimeFigureOut">
               <a:rPr lang="ru-RU" smtClean="0"/>
-              <a:t>22.04.2025</a:t>
+              <a:t>23.04.2025</a:t>
             </a:fld>
             <a:endParaRPr lang="ru-RU"/>
           </a:p>
@@ -1340,7 +1396,7 @@
           <a:p>
             <a:fld id="{BEAE42B0-126B-40D2-8603-60E526B3C4CA}" type="datetimeFigureOut">
               <a:rPr lang="ru-RU" smtClean="0"/>
-              <a:t>22.04.2025</a:t>
+              <a:t>23.04.2025</a:t>
             </a:fld>
             <a:endParaRPr lang="ru-RU"/>
           </a:p>
@@ -1605,7 +1661,7 @@
           <a:p>
             <a:fld id="{BEAE42B0-126B-40D2-8603-60E526B3C4CA}" type="datetimeFigureOut">
               <a:rPr lang="ru-RU" smtClean="0"/>
-              <a:t>22.04.2025</a:t>
+              <a:t>23.04.2025</a:t>
             </a:fld>
             <a:endParaRPr lang="ru-RU"/>
           </a:p>
@@ -2017,7 +2073,7 @@
           <a:p>
             <a:fld id="{BEAE42B0-126B-40D2-8603-60E526B3C4CA}" type="datetimeFigureOut">
               <a:rPr lang="ru-RU" smtClean="0"/>
-              <a:t>22.04.2025</a:t>
+              <a:t>23.04.2025</a:t>
             </a:fld>
             <a:endParaRPr lang="ru-RU"/>
           </a:p>
@@ -2158,7 +2214,7 @@
           <a:p>
             <a:fld id="{BEAE42B0-126B-40D2-8603-60E526B3C4CA}" type="datetimeFigureOut">
               <a:rPr lang="ru-RU" smtClean="0"/>
-              <a:t>22.04.2025</a:t>
+              <a:t>23.04.2025</a:t>
             </a:fld>
             <a:endParaRPr lang="ru-RU"/>
           </a:p>
@@ -2271,7 +2327,7 @@
           <a:p>
             <a:fld id="{BEAE42B0-126B-40D2-8603-60E526B3C4CA}" type="datetimeFigureOut">
               <a:rPr lang="ru-RU" smtClean="0"/>
-              <a:t>22.04.2025</a:t>
+              <a:t>23.04.2025</a:t>
             </a:fld>
             <a:endParaRPr lang="ru-RU"/>
           </a:p>
@@ -2582,7 +2638,7 @@
           <a:p>
             <a:fld id="{BEAE42B0-126B-40D2-8603-60E526B3C4CA}" type="datetimeFigureOut">
               <a:rPr lang="ru-RU" smtClean="0"/>
-              <a:t>22.04.2025</a:t>
+              <a:t>23.04.2025</a:t>
             </a:fld>
             <a:endParaRPr lang="ru-RU"/>
           </a:p>
@@ -2870,7 +2926,7 @@
           <a:p>
             <a:fld id="{BEAE42B0-126B-40D2-8603-60E526B3C4CA}" type="datetimeFigureOut">
               <a:rPr lang="ru-RU" smtClean="0"/>
-              <a:t>22.04.2025</a:t>
+              <a:t>23.04.2025</a:t>
             </a:fld>
             <a:endParaRPr lang="ru-RU"/>
           </a:p>
@@ -3111,7 +3167,7 @@
           <a:p>
             <a:fld id="{BEAE42B0-126B-40D2-8603-60E526B3C4CA}" type="datetimeFigureOut">
               <a:rPr lang="ru-RU" smtClean="0"/>
-              <a:t>22.04.2025</a:t>
+              <a:t>23.04.2025</a:t>
             </a:fld>
             <a:endParaRPr lang="ru-RU"/>
           </a:p>
@@ -3664,6 +3720,656 @@
           <p:cNvPr id="2" name="Заголовок 1">
             <a:extLst>
               <a:ext uri="{FF2B5EF4-FFF2-40B4-BE49-F238E27FC236}">
+                <a16:creationId xmlns:a16="http://schemas.microsoft.com/office/drawing/2014/main" id="{6562253D-1A88-4336-A013-BB968DE59852}"/>
+              </a:ext>
+            </a:extLst>
+          </p:cNvPr>
+          <p:cNvSpPr>
+            <a:spLocks noGrp="1"/>
+          </p:cNvSpPr>
+          <p:nvPr>
+            <p:ph type="title"/>
+          </p:nvPr>
+        </p:nvSpPr>
+        <p:spPr/>
+        <p:txBody>
+          <a:bodyPr/>
+          <a:lstStyle/>
+          <a:p>
+            <a:r>
+              <a:rPr lang="ru-RU" dirty="0"/>
+              <a:t>Админ-панель</a:t>
+            </a:r>
+          </a:p>
+        </p:txBody>
+      </p:sp>
+      <p:pic>
+        <p:nvPicPr>
+          <p:cNvPr id="5" name="Рисунок 4">
+            <a:extLst>
+              <a:ext uri="{FF2B5EF4-FFF2-40B4-BE49-F238E27FC236}">
+                <a16:creationId xmlns:a16="http://schemas.microsoft.com/office/drawing/2014/main" id="{C7C48F80-4D02-421A-A0F2-3D0D903A9F53}"/>
+              </a:ext>
+            </a:extLst>
+          </p:cNvPr>
+          <p:cNvPicPr>
+            <a:picLocks noChangeAspect="1"/>
+          </p:cNvPicPr>
+          <p:nvPr/>
+        </p:nvPicPr>
+        <p:blipFill>
+          <a:blip r:embed="rId2">
+            <a:extLst>
+              <a:ext uri="{28A0092B-C50C-407E-A947-70E740481C1C}">
+                <a14:useLocalDpi xmlns:a14="http://schemas.microsoft.com/office/drawing/2010/main" val="0"/>
+              </a:ext>
+            </a:extLst>
+          </a:blip>
+          <a:stretch>
+            <a:fillRect/>
+          </a:stretch>
+        </p:blipFill>
+        <p:spPr>
+          <a:xfrm>
+            <a:off x="816105" y="4087024"/>
+            <a:ext cx="4597824" cy="2232469"/>
+          </a:xfrm>
+          <a:prstGeom prst="rect">
+            <a:avLst/>
+          </a:prstGeom>
+        </p:spPr>
+      </p:pic>
+      <p:pic>
+        <p:nvPicPr>
+          <p:cNvPr id="7" name="Рисунок 6">
+            <a:extLst>
+              <a:ext uri="{FF2B5EF4-FFF2-40B4-BE49-F238E27FC236}">
+                <a16:creationId xmlns:a16="http://schemas.microsoft.com/office/drawing/2014/main" id="{2145E75F-E6A6-4608-8CFD-4FA3AC5F4271}"/>
+              </a:ext>
+            </a:extLst>
+          </p:cNvPr>
+          <p:cNvPicPr>
+            <a:picLocks noChangeAspect="1"/>
+          </p:cNvPicPr>
+          <p:nvPr/>
+        </p:nvPicPr>
+        <p:blipFill>
+          <a:blip r:embed="rId3">
+            <a:extLst>
+              <a:ext uri="{28A0092B-C50C-407E-A947-70E740481C1C}">
+                <a14:useLocalDpi xmlns:a14="http://schemas.microsoft.com/office/drawing/2010/main" val="0"/>
+              </a:ext>
+            </a:extLst>
+          </a:blip>
+          <a:stretch>
+            <a:fillRect/>
+          </a:stretch>
+        </p:blipFill>
+        <p:spPr>
+          <a:xfrm>
+            <a:off x="816105" y="1375449"/>
+            <a:ext cx="9268890" cy="2485332"/>
+          </a:xfrm>
+          <a:prstGeom prst="rect">
+            <a:avLst/>
+          </a:prstGeom>
+        </p:spPr>
+      </p:pic>
+      <p:sp>
+        <p:nvSpPr>
+          <p:cNvPr id="8" name="TextBox 7">
+            <a:extLst>
+              <a:ext uri="{FF2B5EF4-FFF2-40B4-BE49-F238E27FC236}">
+                <a16:creationId xmlns:a16="http://schemas.microsoft.com/office/drawing/2014/main" id="{2536767C-1879-45AA-B876-9833E411DD51}"/>
+              </a:ext>
+            </a:extLst>
+          </p:cNvPr>
+          <p:cNvSpPr txBox="1"/>
+          <p:nvPr/>
+        </p:nvSpPr>
+        <p:spPr>
+          <a:xfrm>
+            <a:off x="5863472" y="4251489"/>
+            <a:ext cx="5863472" cy="1323439"/>
+          </a:xfrm>
+          <a:prstGeom prst="rect">
+            <a:avLst/>
+          </a:prstGeom>
+          <a:noFill/>
+        </p:spPr>
+        <p:txBody>
+          <a:bodyPr wrap="square" rtlCol="0">
+            <a:spAutoFit/>
+          </a:bodyPr>
+          <a:lstStyle/>
+          <a:p>
+            <a:r>
+              <a:rPr lang="ru-RU" sz="1600" dirty="0"/>
+              <a:t>Наши пользователи могут самостоятельно предлагать темы для обсуждения на форуме. Каждый пользователь имеет статус</a:t>
+            </a:r>
+            <a:r>
+              <a:rPr lang="en-US" sz="1600" dirty="0"/>
+              <a:t>: user </a:t>
+            </a:r>
+            <a:r>
+              <a:rPr lang="ru-RU" sz="1600" dirty="0"/>
+              <a:t>или </a:t>
+            </a:r>
+            <a:r>
+              <a:rPr lang="en-US" sz="1600" dirty="0"/>
+              <a:t>admin. </a:t>
+            </a:r>
+            <a:r>
+              <a:rPr lang="ru-RU" sz="1600" dirty="0"/>
+              <a:t>Администраторы могут опубликовать выбранные темы или отклонить их. Обычный пользователь получит ошибку доступа, если захочет пройти в админ-панель. </a:t>
+            </a:r>
+          </a:p>
+        </p:txBody>
+      </p:sp>
+    </p:spTree>
+    <p:extLst>
+      <p:ext uri="{BB962C8B-B14F-4D97-AF65-F5344CB8AC3E}">
+        <p14:creationId xmlns:p14="http://schemas.microsoft.com/office/powerpoint/2010/main" val="1866353850"/>
+      </p:ext>
+    </p:extLst>
+  </p:cSld>
+  <p:clrMapOvr>
+    <a:masterClrMapping/>
+  </p:clrMapOvr>
+</p:sld>
+</file>
+
+<file path=ppt/slides/slide11.xml><?xml version="1.0" encoding="utf-8"?>
+<p:sld xmlns:a="http://schemas.openxmlformats.org/drawingml/2006/main" xmlns:r="http://schemas.openxmlformats.org/officeDocument/2006/relationships" xmlns:p="http://schemas.openxmlformats.org/presentationml/2006/main">
+  <p:cSld>
+    <p:spTree>
+      <p:nvGrpSpPr>
+        <p:cNvPr id="1" name=""/>
+        <p:cNvGrpSpPr/>
+        <p:nvPr/>
+      </p:nvGrpSpPr>
+      <p:grpSpPr>
+        <a:xfrm>
+          <a:off x="0" y="0"/>
+          <a:ext cx="0" cy="0"/>
+          <a:chOff x="0" y="0"/>
+          <a:chExt cx="0" cy="0"/>
+        </a:xfrm>
+      </p:grpSpPr>
+      <p:sp>
+        <p:nvSpPr>
+          <p:cNvPr id="2" name="Заголовок 1">
+            <a:extLst>
+              <a:ext uri="{FF2B5EF4-FFF2-40B4-BE49-F238E27FC236}">
+                <a16:creationId xmlns:a16="http://schemas.microsoft.com/office/drawing/2014/main" id="{ACB88537-B077-4213-85E2-293FE9D1287C}"/>
+              </a:ext>
+            </a:extLst>
+          </p:cNvPr>
+          <p:cNvSpPr>
+            <a:spLocks noGrp="1"/>
+          </p:cNvSpPr>
+          <p:nvPr>
+            <p:ph type="title"/>
+          </p:nvPr>
+        </p:nvSpPr>
+        <p:spPr/>
+        <p:txBody>
+          <a:bodyPr/>
+          <a:lstStyle/>
+          <a:p>
+            <a:r>
+              <a:rPr lang="ru-RU" dirty="0"/>
+              <a:t>Хостинг</a:t>
+            </a:r>
+          </a:p>
+        </p:txBody>
+      </p:sp>
+      <p:sp>
+        <p:nvSpPr>
+          <p:cNvPr id="4" name="TextBox 3">
+            <a:extLst>
+              <a:ext uri="{FF2B5EF4-FFF2-40B4-BE49-F238E27FC236}">
+                <a16:creationId xmlns:a16="http://schemas.microsoft.com/office/drawing/2014/main" id="{7A65A6A5-29E9-4DB2-8436-FEE2840688FA}"/>
+              </a:ext>
+            </a:extLst>
+          </p:cNvPr>
+          <p:cNvSpPr txBox="1"/>
+          <p:nvPr/>
+        </p:nvSpPr>
+        <p:spPr>
+          <a:xfrm>
+            <a:off x="762785" y="1866507"/>
+            <a:ext cx="7202864" cy="369332"/>
+          </a:xfrm>
+          <a:prstGeom prst="rect">
+            <a:avLst/>
+          </a:prstGeom>
+          <a:noFill/>
+        </p:spPr>
+        <p:txBody>
+          <a:bodyPr wrap="square" rtlCol="0">
+            <a:spAutoFit/>
+          </a:bodyPr>
+          <a:lstStyle/>
+          <a:p>
+            <a:r>
+              <a:rPr lang="ru-RU" dirty="0"/>
+              <a:t>Сайт размещен на бесплатном виртуальном сервере от </a:t>
+            </a:r>
+            <a:r>
+              <a:rPr lang="en-US" dirty="0"/>
+              <a:t>glitch.com</a:t>
+            </a:r>
+            <a:r>
+              <a:rPr lang="ru-RU" dirty="0"/>
+              <a:t> </a:t>
+            </a:r>
+          </a:p>
+        </p:txBody>
+      </p:sp>
+    </p:spTree>
+    <p:extLst>
+      <p:ext uri="{BB962C8B-B14F-4D97-AF65-F5344CB8AC3E}">
+        <p14:creationId xmlns:p14="http://schemas.microsoft.com/office/powerpoint/2010/main" val="1841143364"/>
+      </p:ext>
+    </p:extLst>
+  </p:cSld>
+  <p:clrMapOvr>
+    <a:masterClrMapping/>
+  </p:clrMapOvr>
+</p:sld>
+</file>
+
+<file path=ppt/slides/slide12.xml><?xml version="1.0" encoding="utf-8"?>
+<p:sld xmlns:a="http://schemas.openxmlformats.org/drawingml/2006/main" xmlns:r="http://schemas.openxmlformats.org/officeDocument/2006/relationships" xmlns:p="http://schemas.openxmlformats.org/presentationml/2006/main">
+  <p:cSld>
+    <p:spTree>
+      <p:nvGrpSpPr>
+        <p:cNvPr id="1" name=""/>
+        <p:cNvGrpSpPr/>
+        <p:nvPr/>
+      </p:nvGrpSpPr>
+      <p:grpSpPr>
+        <a:xfrm>
+          <a:off x="0" y="0"/>
+          <a:ext cx="0" cy="0"/>
+          <a:chOff x="0" y="0"/>
+          <a:chExt cx="0" cy="0"/>
+        </a:xfrm>
+      </p:grpSpPr>
+      <p:sp>
+        <p:nvSpPr>
+          <p:cNvPr id="2" name="Заголовок 1">
+            <a:extLst>
+              <a:ext uri="{FF2B5EF4-FFF2-40B4-BE49-F238E27FC236}">
+                <a16:creationId xmlns:a16="http://schemas.microsoft.com/office/drawing/2014/main" id="{68055C19-CC2F-4FC7-9A8E-33256247C60B}"/>
+              </a:ext>
+            </a:extLst>
+          </p:cNvPr>
+          <p:cNvSpPr>
+            <a:spLocks noGrp="1"/>
+          </p:cNvSpPr>
+          <p:nvPr>
+            <p:ph type="title"/>
+          </p:nvPr>
+        </p:nvSpPr>
+        <p:spPr>
+          <a:xfrm>
+            <a:off x="838200" y="340133"/>
+            <a:ext cx="10515600" cy="1325563"/>
+          </a:xfrm>
+        </p:spPr>
+        <p:txBody>
+          <a:bodyPr/>
+          <a:lstStyle/>
+          <a:p>
+            <a:r>
+              <a:rPr lang="ru-RU" dirty="0"/>
+              <a:t>Премия</a:t>
+            </a:r>
+          </a:p>
+        </p:txBody>
+      </p:sp>
+      <p:sp>
+        <p:nvSpPr>
+          <p:cNvPr id="4" name="TextBox 3">
+            <a:extLst>
+              <a:ext uri="{FF2B5EF4-FFF2-40B4-BE49-F238E27FC236}">
+                <a16:creationId xmlns:a16="http://schemas.microsoft.com/office/drawing/2014/main" id="{5F0C964F-C4EB-4927-A576-435D301F0801}"/>
+              </a:ext>
+            </a:extLst>
+          </p:cNvPr>
+          <p:cNvSpPr txBox="1"/>
+          <p:nvPr/>
+        </p:nvSpPr>
+        <p:spPr>
+          <a:xfrm>
+            <a:off x="838200" y="1690687"/>
+            <a:ext cx="3026790" cy="1754326"/>
+          </a:xfrm>
+          <a:prstGeom prst="rect">
+            <a:avLst/>
+          </a:prstGeom>
+          <a:noFill/>
+        </p:spPr>
+        <p:txBody>
+          <a:bodyPr wrap="square" rtlCol="0">
+            <a:spAutoFit/>
+          </a:bodyPr>
+          <a:lstStyle/>
+          <a:p>
+            <a:r>
+              <a:rPr lang="ru-RU" dirty="0"/>
+              <a:t>1) Разработаны и используются 2 собственных оригинальных стиля для сайта при помощи языка CSS. Расположено в папке </a:t>
+            </a:r>
+            <a:r>
+              <a:rPr lang="en-US" dirty="0"/>
+              <a:t>static/</a:t>
+            </a:r>
+            <a:r>
+              <a:rPr lang="en-US" dirty="0" err="1"/>
+              <a:t>css</a:t>
+            </a:r>
+            <a:r>
+              <a:rPr lang="ru-RU" dirty="0"/>
+              <a:t> </a:t>
+            </a:r>
+          </a:p>
+        </p:txBody>
+      </p:sp>
+      <p:sp>
+        <p:nvSpPr>
+          <p:cNvPr id="5" name="TextBox 4">
+            <a:extLst>
+              <a:ext uri="{FF2B5EF4-FFF2-40B4-BE49-F238E27FC236}">
+                <a16:creationId xmlns:a16="http://schemas.microsoft.com/office/drawing/2014/main" id="{80EFA5B5-83F5-4C41-BABC-857481FF13CD}"/>
+              </a:ext>
+            </a:extLst>
+          </p:cNvPr>
+          <p:cNvSpPr txBox="1"/>
+          <p:nvPr/>
+        </p:nvSpPr>
+        <p:spPr>
+          <a:xfrm>
+            <a:off x="4835951" y="1690687"/>
+            <a:ext cx="2960016" cy="2585323"/>
+          </a:xfrm>
+          <a:prstGeom prst="rect">
+            <a:avLst/>
+          </a:prstGeom>
+          <a:noFill/>
+        </p:spPr>
+        <p:txBody>
+          <a:bodyPr wrap="square" rtlCol="0">
+            <a:spAutoFit/>
+          </a:bodyPr>
+          <a:lstStyle/>
+          <a:p>
+            <a:r>
+              <a:rPr lang="ru-RU" dirty="0"/>
+              <a:t>2) Изучена технология </a:t>
+            </a:r>
+            <a:r>
+              <a:rPr lang="en-US" dirty="0"/>
+              <a:t>WebSocket </a:t>
+            </a:r>
+            <a:r>
+              <a:rPr lang="ru-RU" dirty="0"/>
+              <a:t> и соответственно используется оригинальная библиотека </a:t>
+            </a:r>
+            <a:r>
+              <a:rPr lang="en-US" dirty="0" err="1"/>
+              <a:t>SocketIO</a:t>
+            </a:r>
+            <a:r>
+              <a:rPr lang="ru-RU" dirty="0"/>
+              <a:t> для двуканального соединения клиента и сервера.</a:t>
+            </a:r>
+            <a:r>
+              <a:rPr lang="en-US" dirty="0"/>
+              <a:t> </a:t>
+            </a:r>
+            <a:r>
+              <a:rPr lang="ru-RU" dirty="0"/>
+              <a:t>В основном находится в </a:t>
+            </a:r>
+            <a:r>
+              <a:rPr lang="en-US" dirty="0"/>
+              <a:t>main.py</a:t>
+            </a:r>
+            <a:endParaRPr lang="ru-RU" dirty="0"/>
+          </a:p>
+        </p:txBody>
+      </p:sp>
+      <p:sp>
+        <p:nvSpPr>
+          <p:cNvPr id="6" name="TextBox 5">
+            <a:extLst>
+              <a:ext uri="{FF2B5EF4-FFF2-40B4-BE49-F238E27FC236}">
+                <a16:creationId xmlns:a16="http://schemas.microsoft.com/office/drawing/2014/main" id="{AE706D7A-9DD3-4B25-9740-6DC652E59B4C}"/>
+              </a:ext>
+            </a:extLst>
+          </p:cNvPr>
+          <p:cNvSpPr txBox="1"/>
+          <p:nvPr/>
+        </p:nvSpPr>
+        <p:spPr>
+          <a:xfrm>
+            <a:off x="904973" y="3817856"/>
+            <a:ext cx="3365369" cy="1477328"/>
+          </a:xfrm>
+          <a:prstGeom prst="rect">
+            <a:avLst/>
+          </a:prstGeom>
+          <a:noFill/>
+        </p:spPr>
+        <p:txBody>
+          <a:bodyPr wrap="square" rtlCol="0">
+            <a:spAutoFit/>
+          </a:bodyPr>
+          <a:lstStyle/>
+          <a:p>
+            <a:r>
+              <a:rPr lang="ru-RU" dirty="0"/>
+              <a:t>3) Написана собственная проверка человек</a:t>
+            </a:r>
+            <a:r>
+              <a:rPr lang="en-US" dirty="0"/>
+              <a:t>/</a:t>
+            </a:r>
+            <a:r>
+              <a:rPr lang="ru-RU" dirty="0"/>
+              <a:t>робот. (вычисление примера) </a:t>
+            </a:r>
+            <a:endParaRPr lang="en-US" dirty="0"/>
+          </a:p>
+          <a:p>
+            <a:r>
+              <a:rPr lang="ru-RU" dirty="0"/>
+              <a:t>Находится на странице авторизации и </a:t>
+            </a:r>
+            <a:r>
+              <a:rPr lang="ru-RU" dirty="0" err="1"/>
+              <a:t>регитсрации</a:t>
+            </a:r>
+            <a:endParaRPr lang="ru-RU" dirty="0"/>
+          </a:p>
+        </p:txBody>
+      </p:sp>
+    </p:spTree>
+    <p:extLst>
+      <p:ext uri="{BB962C8B-B14F-4D97-AF65-F5344CB8AC3E}">
+        <p14:creationId xmlns:p14="http://schemas.microsoft.com/office/powerpoint/2010/main" val="335298324"/>
+      </p:ext>
+    </p:extLst>
+  </p:cSld>
+  <p:clrMapOvr>
+    <a:masterClrMapping/>
+  </p:clrMapOvr>
+</p:sld>
+</file>
+
+<file path=ppt/slides/slide13.xml><?xml version="1.0" encoding="utf-8"?>
+<p:sld xmlns:a="http://schemas.openxmlformats.org/drawingml/2006/main" xmlns:r="http://schemas.openxmlformats.org/officeDocument/2006/relationships" xmlns:p="http://schemas.openxmlformats.org/presentationml/2006/main">
+  <p:cSld>
+    <p:spTree>
+      <p:nvGrpSpPr>
+        <p:cNvPr id="1" name=""/>
+        <p:cNvGrpSpPr/>
+        <p:nvPr/>
+      </p:nvGrpSpPr>
+      <p:grpSpPr>
+        <a:xfrm>
+          <a:off x="0" y="0"/>
+          <a:ext cx="0" cy="0"/>
+          <a:chOff x="0" y="0"/>
+          <a:chExt cx="0" cy="0"/>
+        </a:xfrm>
+      </p:grpSpPr>
+      <p:sp>
+        <p:nvSpPr>
+          <p:cNvPr id="2" name="Заголовок 1">
+            <a:extLst>
+              <a:ext uri="{FF2B5EF4-FFF2-40B4-BE49-F238E27FC236}">
+                <a16:creationId xmlns:a16="http://schemas.microsoft.com/office/drawing/2014/main" id="{0A0B799A-988A-43EA-BF61-CCC6CCDD7F90}"/>
+              </a:ext>
+            </a:extLst>
+          </p:cNvPr>
+          <p:cNvSpPr>
+            <a:spLocks noGrp="1"/>
+          </p:cNvSpPr>
+          <p:nvPr>
+            <p:ph type="title"/>
+          </p:nvPr>
+        </p:nvSpPr>
+        <p:spPr/>
+        <p:txBody>
+          <a:bodyPr/>
+          <a:lstStyle/>
+          <a:p>
+            <a:r>
+              <a:rPr lang="ru-RU" dirty="0"/>
+              <a:t>О проекте</a:t>
+            </a:r>
+          </a:p>
+        </p:txBody>
+      </p:sp>
+      <p:sp>
+        <p:nvSpPr>
+          <p:cNvPr id="4" name="TextBox 3">
+            <a:extLst>
+              <a:ext uri="{FF2B5EF4-FFF2-40B4-BE49-F238E27FC236}">
+                <a16:creationId xmlns:a16="http://schemas.microsoft.com/office/drawing/2014/main" id="{085DCAF6-2F82-4E55-B1CC-5EDA4ED6D253}"/>
+              </a:ext>
+            </a:extLst>
+          </p:cNvPr>
+          <p:cNvSpPr txBox="1"/>
+          <p:nvPr/>
+        </p:nvSpPr>
+        <p:spPr>
+          <a:xfrm>
+            <a:off x="838200" y="1690688"/>
+            <a:ext cx="6862714" cy="2031325"/>
+          </a:xfrm>
+          <a:prstGeom prst="rect">
+            <a:avLst/>
+          </a:prstGeom>
+          <a:noFill/>
+        </p:spPr>
+        <p:txBody>
+          <a:bodyPr wrap="square" rtlCol="0">
+            <a:spAutoFit/>
+          </a:bodyPr>
+          <a:lstStyle/>
+          <a:p>
+            <a:r>
+              <a:rPr lang="ru-RU" dirty="0"/>
+              <a:t>Количество строк</a:t>
+            </a:r>
+            <a:r>
+              <a:rPr lang="en-US" dirty="0"/>
+              <a:t>: 745</a:t>
+            </a:r>
+          </a:p>
+          <a:p>
+            <a:endParaRPr lang="en-US" dirty="0"/>
+          </a:p>
+          <a:p>
+            <a:r>
+              <a:rPr lang="ru-RU" dirty="0"/>
+              <a:t>Ссылка на репозиторий</a:t>
+            </a:r>
+            <a:r>
+              <a:rPr lang="en-US" dirty="0"/>
+              <a:t>: </a:t>
+            </a:r>
+            <a:r>
+              <a:rPr lang="en-US" dirty="0">
+                <a:hlinkClick r:id="rId2"/>
+              </a:rPr>
+              <a:t>https://github.com/andrey3304/The_greatest_project_of_our_time</a:t>
+            </a:r>
+            <a:endParaRPr lang="en-US" dirty="0"/>
+          </a:p>
+          <a:p>
+            <a:endParaRPr lang="en-US" dirty="0"/>
+          </a:p>
+          <a:p>
+            <a:r>
+              <a:rPr lang="ru-RU" dirty="0"/>
+              <a:t>Ссылка на сайт</a:t>
+            </a:r>
+            <a:r>
+              <a:rPr lang="en-US" dirty="0"/>
+              <a:t>:</a:t>
+            </a:r>
+          </a:p>
+          <a:p>
+            <a:r>
+              <a:rPr lang="en-US" dirty="0">
+                <a:hlinkClick r:id="rId3"/>
+              </a:rPr>
+              <a:t>https://shore-outgoing-calendula.glitch.me</a:t>
+            </a:r>
+            <a:endParaRPr lang="ru-RU" dirty="0"/>
+          </a:p>
+        </p:txBody>
+      </p:sp>
+    </p:spTree>
+    <p:extLst>
+      <p:ext uri="{BB962C8B-B14F-4D97-AF65-F5344CB8AC3E}">
+        <p14:creationId xmlns:p14="http://schemas.microsoft.com/office/powerpoint/2010/main" val="2948205123"/>
+      </p:ext>
+    </p:extLst>
+  </p:cSld>
+  <p:clrMapOvr>
+    <a:masterClrMapping/>
+  </p:clrMapOvr>
+</p:sld>
+</file>
+
+<file path=ppt/slides/slide14.xml><?xml version="1.0" encoding="utf-8"?>
+<p:sld xmlns:a="http://schemas.openxmlformats.org/drawingml/2006/main" xmlns:r="http://schemas.openxmlformats.org/officeDocument/2006/relationships" xmlns:p="http://schemas.openxmlformats.org/presentationml/2006/main">
+  <p:cSld>
+    <p:spTree>
+      <p:nvGrpSpPr>
+        <p:cNvPr id="1" name=""/>
+        <p:cNvGrpSpPr/>
+        <p:nvPr/>
+      </p:nvGrpSpPr>
+      <p:grpSpPr>
+        <a:xfrm>
+          <a:off x="0" y="0"/>
+          <a:ext cx="0" cy="0"/>
+          <a:chOff x="0" y="0"/>
+          <a:chExt cx="0" cy="0"/>
+        </a:xfrm>
+      </p:grpSpPr>
+      <p:sp>
+        <p:nvSpPr>
+          <p:cNvPr id="2" name="Заголовок 1">
+            <a:extLst>
+              <a:ext uri="{FF2B5EF4-FFF2-40B4-BE49-F238E27FC236}">
                 <a16:creationId xmlns:a16="http://schemas.microsoft.com/office/drawing/2014/main" id="{9DB9F55B-CD88-4FF1-8EFF-43D446561255}"/>
               </a:ext>
             </a:extLst>
@@ -3689,26 +4395,288 @@
       </p:sp>
       <p:sp>
         <p:nvSpPr>
-          <p:cNvPr id="3" name="Объект 2">
-            <a:extLst>
-              <a:ext uri="{FF2B5EF4-FFF2-40B4-BE49-F238E27FC236}">
-                <a16:creationId xmlns:a16="http://schemas.microsoft.com/office/drawing/2014/main" id="{4564DDFD-874F-4F74-A45D-96C24B8D1D3C}"/>
-              </a:ext>
-            </a:extLst>
-          </p:cNvPr>
-          <p:cNvSpPr>
-            <a:spLocks noGrp="1"/>
-          </p:cNvSpPr>
-          <p:nvPr>
-            <p:ph idx="1"/>
-          </p:nvPr>
-        </p:nvSpPr>
-        <p:spPr/>
-        <p:txBody>
-          <a:bodyPr/>
-          <a:lstStyle/>
-          <a:p>
-            <a:endParaRPr lang="ru-RU"/>
+          <p:cNvPr id="4" name="TextBox 3">
+            <a:extLst>
+              <a:ext uri="{FF2B5EF4-FFF2-40B4-BE49-F238E27FC236}">
+                <a16:creationId xmlns:a16="http://schemas.microsoft.com/office/drawing/2014/main" id="{1C87C549-1549-4C28-AB20-D3DB6ED7D73D}"/>
+              </a:ext>
+            </a:extLst>
+          </p:cNvPr>
+          <p:cNvSpPr txBox="1"/>
+          <p:nvPr/>
+        </p:nvSpPr>
+        <p:spPr>
+          <a:xfrm>
+            <a:off x="838200" y="1866507"/>
+            <a:ext cx="5552388" cy="923330"/>
+          </a:xfrm>
+          <a:prstGeom prst="rect">
+            <a:avLst/>
+          </a:prstGeom>
+          <a:noFill/>
+        </p:spPr>
+        <p:txBody>
+          <a:bodyPr wrap="square" rtlCol="0">
+            <a:spAutoFit/>
+          </a:bodyPr>
+          <a:lstStyle/>
+          <a:p>
+            <a:pPr marL="342900" indent="-342900">
+              <a:buAutoNum type="arabicPeriod"/>
+            </a:pPr>
+            <a:r>
+              <a:rPr lang="ru-RU" dirty="0"/>
+              <a:t>Официальные документации</a:t>
+            </a:r>
+            <a:r>
+              <a:rPr lang="en-US" dirty="0"/>
+              <a:t>: </a:t>
+            </a:r>
+            <a:r>
+              <a:rPr lang="en-US" dirty="0">
+                <a:hlinkClick r:id="rId2"/>
+              </a:rPr>
+              <a:t>https://www.python.org/doc/</a:t>
+            </a:r>
+            <a:r>
+              <a:rPr lang="en-US" dirty="0"/>
+              <a:t> </a:t>
+            </a:r>
+            <a:r>
+              <a:rPr lang="en-US" dirty="0">
+                <a:hlinkClick r:id="rId3"/>
+              </a:rPr>
+              <a:t>https://flask.palletsprojects.com/</a:t>
+            </a:r>
+            <a:endParaRPr lang="ru-RU" dirty="0"/>
+          </a:p>
+        </p:txBody>
+      </p:sp>
+      <p:sp>
+        <p:nvSpPr>
+          <p:cNvPr id="5" name="TextBox 4">
+            <a:extLst>
+              <a:ext uri="{FF2B5EF4-FFF2-40B4-BE49-F238E27FC236}">
+                <a16:creationId xmlns:a16="http://schemas.microsoft.com/office/drawing/2014/main" id="{B66FBC99-DF51-4B5A-A817-4B0474056137}"/>
+              </a:ext>
+            </a:extLst>
+          </p:cNvPr>
+          <p:cNvSpPr txBox="1"/>
+          <p:nvPr/>
+        </p:nvSpPr>
+        <p:spPr>
+          <a:xfrm>
+            <a:off x="904973" y="2969443"/>
+            <a:ext cx="3403076" cy="923330"/>
+          </a:xfrm>
+          <a:prstGeom prst="rect">
+            <a:avLst/>
+          </a:prstGeom>
+          <a:noFill/>
+        </p:spPr>
+        <p:txBody>
+          <a:bodyPr wrap="square" rtlCol="0">
+            <a:spAutoFit/>
+          </a:bodyPr>
+          <a:lstStyle/>
+          <a:p>
+            <a:r>
+              <a:rPr lang="en-US" dirty="0"/>
+              <a:t>2. </a:t>
+            </a:r>
+            <a:r>
+              <a:rPr lang="ru-RU" dirty="0"/>
+              <a:t>Форумы программистов</a:t>
+            </a:r>
+            <a:r>
+              <a:rPr lang="en-US" dirty="0"/>
+              <a:t>: </a:t>
+            </a:r>
+          </a:p>
+          <a:p>
+            <a:r>
+              <a:rPr lang="en-US" dirty="0"/>
+              <a:t>     </a:t>
+            </a:r>
+            <a:r>
+              <a:rPr lang="en-US" dirty="0">
+                <a:hlinkClick r:id="rId4"/>
+              </a:rPr>
+              <a:t>https://stackoverflow.com</a:t>
+            </a:r>
+            <a:endParaRPr lang="en-US" dirty="0"/>
+          </a:p>
+          <a:p>
+            <a:r>
+              <a:rPr lang="en-US" dirty="0"/>
+              <a:t>     </a:t>
+            </a:r>
+            <a:r>
+              <a:rPr lang="en-US" dirty="0">
+                <a:hlinkClick r:id="rId5"/>
+              </a:rPr>
+              <a:t>https://www.cyberforum.ru/</a:t>
+            </a:r>
+            <a:endParaRPr lang="ru-RU" dirty="0"/>
+          </a:p>
+        </p:txBody>
+      </p:sp>
+      <p:sp>
+        <p:nvSpPr>
+          <p:cNvPr id="6" name="TextBox 5">
+            <a:extLst>
+              <a:ext uri="{FF2B5EF4-FFF2-40B4-BE49-F238E27FC236}">
+                <a16:creationId xmlns:a16="http://schemas.microsoft.com/office/drawing/2014/main" id="{3D995876-B1FD-46E1-8A35-1DBB495E919A}"/>
+              </a:ext>
+            </a:extLst>
+          </p:cNvPr>
+          <p:cNvSpPr txBox="1"/>
+          <p:nvPr/>
+        </p:nvSpPr>
+        <p:spPr>
+          <a:xfrm>
+            <a:off x="904973" y="4185501"/>
+            <a:ext cx="3403076" cy="646331"/>
+          </a:xfrm>
+          <a:prstGeom prst="rect">
+            <a:avLst/>
+          </a:prstGeom>
+          <a:noFill/>
+        </p:spPr>
+        <p:txBody>
+          <a:bodyPr wrap="square" rtlCol="0">
+            <a:spAutoFit/>
+          </a:bodyPr>
+          <a:lstStyle/>
+          <a:p>
+            <a:r>
+              <a:rPr lang="en-US" dirty="0"/>
+              <a:t>3. </a:t>
+            </a:r>
+            <a:r>
+              <a:rPr lang="ru-RU" dirty="0"/>
+              <a:t>Статьи</a:t>
+            </a:r>
+            <a:r>
+              <a:rPr lang="en-US" dirty="0"/>
+              <a:t>:</a:t>
+            </a:r>
+          </a:p>
+          <a:p>
+            <a:r>
+              <a:rPr lang="en-US" dirty="0"/>
+              <a:t>     </a:t>
+            </a:r>
+            <a:r>
+              <a:rPr lang="en-US" dirty="0">
+                <a:hlinkClick r:id="rId6"/>
+              </a:rPr>
+              <a:t>https://habr.com</a:t>
+            </a:r>
+            <a:endParaRPr lang="ru-RU" dirty="0"/>
+          </a:p>
+        </p:txBody>
+      </p:sp>
+      <p:sp>
+        <p:nvSpPr>
+          <p:cNvPr id="7" name="TextBox 6">
+            <a:extLst>
+              <a:ext uri="{FF2B5EF4-FFF2-40B4-BE49-F238E27FC236}">
+                <a16:creationId xmlns:a16="http://schemas.microsoft.com/office/drawing/2014/main" id="{566CCCA1-E25A-4686-9729-237946D197BA}"/>
+              </a:ext>
+            </a:extLst>
+          </p:cNvPr>
+          <p:cNvSpPr txBox="1"/>
+          <p:nvPr/>
+        </p:nvSpPr>
+        <p:spPr>
+          <a:xfrm>
+            <a:off x="5665509" y="1958840"/>
+            <a:ext cx="2941163" cy="923330"/>
+          </a:xfrm>
+          <a:prstGeom prst="rect">
+            <a:avLst/>
+          </a:prstGeom>
+          <a:noFill/>
+        </p:spPr>
+        <p:txBody>
+          <a:bodyPr wrap="square" rtlCol="0">
+            <a:spAutoFit/>
+          </a:bodyPr>
+          <a:lstStyle/>
+          <a:p>
+            <a:r>
+              <a:rPr lang="en-US" dirty="0"/>
+              <a:t>4. </a:t>
+            </a:r>
+            <a:r>
+              <a:rPr lang="ru-RU" dirty="0"/>
+              <a:t>Объяснение сложных тем простым языком</a:t>
+            </a:r>
+            <a:r>
+              <a:rPr lang="en-US" dirty="0"/>
+              <a:t>: </a:t>
+            </a:r>
+            <a:r>
+              <a:rPr lang="en-US" dirty="0">
+                <a:hlinkClick r:id="rId7"/>
+              </a:rPr>
+              <a:t>https://chatgpt.com/</a:t>
+            </a:r>
+            <a:endParaRPr lang="ru-RU" dirty="0"/>
+          </a:p>
+        </p:txBody>
+      </p:sp>
+      <p:sp>
+        <p:nvSpPr>
+          <p:cNvPr id="8" name="TextBox 7">
+            <a:extLst>
+              <a:ext uri="{FF2B5EF4-FFF2-40B4-BE49-F238E27FC236}">
+                <a16:creationId xmlns:a16="http://schemas.microsoft.com/office/drawing/2014/main" id="{70AA2739-AD12-48AC-BE4B-2F05E1103205}"/>
+              </a:ext>
+            </a:extLst>
+          </p:cNvPr>
+          <p:cNvSpPr txBox="1"/>
+          <p:nvPr/>
+        </p:nvSpPr>
+        <p:spPr>
+          <a:xfrm>
+            <a:off x="5665509" y="3186260"/>
+            <a:ext cx="2667786" cy="923330"/>
+          </a:xfrm>
+          <a:prstGeom prst="rect">
+            <a:avLst/>
+          </a:prstGeom>
+          <a:noFill/>
+        </p:spPr>
+        <p:txBody>
+          <a:bodyPr wrap="square" rtlCol="0">
+            <a:spAutoFit/>
+          </a:bodyPr>
+          <a:lstStyle/>
+          <a:p>
+            <a:r>
+              <a:rPr lang="en-US" dirty="0"/>
+              <a:t>5. </a:t>
+            </a:r>
+            <a:r>
+              <a:rPr lang="ru-RU" dirty="0"/>
+              <a:t>Учебные сайты</a:t>
+            </a:r>
+            <a:r>
+              <a:rPr lang="en-US" dirty="0"/>
+              <a:t>:</a:t>
+            </a:r>
+            <a:endParaRPr lang="ru-RU" dirty="0"/>
+          </a:p>
+          <a:p>
+            <a:r>
+              <a:rPr lang="en-US" dirty="0">
+                <a:hlinkClick r:id="rId8"/>
+              </a:rPr>
+              <a:t>https://proproprogs.ru/flask</a:t>
+            </a:r>
+            <a:endParaRPr lang="ru-RU" dirty="0"/>
           </a:p>
         </p:txBody>
       </p:sp>
@@ -3725,7 +4693,7 @@
 </p:sld>
 </file>
 
-<file path=ppt/slides/slide11.xml><?xml version="1.0" encoding="utf-8"?>
+<file path=ppt/slides/slide15.xml><?xml version="1.0" encoding="utf-8"?>
 <p:sld xmlns:a="http://schemas.openxmlformats.org/drawingml/2006/main" xmlns:r="http://schemas.openxmlformats.org/officeDocument/2006/relationships" xmlns:p="http://schemas.openxmlformats.org/presentationml/2006/main">
   <p:cSld>
     <p:spTree>
@@ -3891,23 +4859,348 @@
           <a:bodyPr/>
           <a:lstStyle/>
           <a:p>
-            <a:r>
-              <a:rPr lang="ru-RU" dirty="0"/>
-              <a:t>Беликов Андрей (</a:t>
-            </a:r>
-            <a:r>
-              <a:rPr lang="ru-RU" dirty="0" err="1"/>
-              <a:t>тимлид</a:t>
-            </a:r>
-            <a:r>
-              <a:rPr lang="ru-RU" dirty="0"/>
-              <a:t>)</a:t>
-            </a:r>
-          </a:p>
-          <a:p>
             <a:pPr marL="0" indent="0">
               <a:buNone/>
             </a:pPr>
+            <a:r>
+              <a:rPr lang="ru-RU" dirty="0"/>
+              <a:t>Беликов Андрей (</a:t>
+            </a:r>
+            <a:r>
+              <a:rPr lang="ru-RU" dirty="0" err="1"/>
+              <a:t>тимлид</a:t>
+            </a:r>
+            <a:r>
+              <a:rPr lang="ru-RU" dirty="0"/>
+              <a:t>)</a:t>
+            </a:r>
+            <a:endParaRPr lang="en-US" dirty="0"/>
+          </a:p>
+          <a:p>
+            <a:pPr marL="0" indent="0">
+              <a:buNone/>
+            </a:pPr>
+            <a:r>
+              <a:rPr lang="ru-RU" sz="1600" dirty="0"/>
+              <a:t>Авторизация\регистрация</a:t>
+            </a:r>
+          </a:p>
+          <a:p>
+            <a:pPr marL="0" indent="0">
+              <a:buNone/>
+            </a:pPr>
+            <a:r>
+              <a:rPr lang="ru-RU" sz="1600" dirty="0"/>
+              <a:t>Профиль пользователя</a:t>
+            </a:r>
+          </a:p>
+          <a:p>
+            <a:pPr marL="0" indent="0">
+              <a:buNone/>
+            </a:pPr>
+            <a:r>
+              <a:rPr lang="ru-RU" sz="1600" dirty="0"/>
+              <a:t>Работа с файлами</a:t>
+            </a:r>
+          </a:p>
+          <a:p>
+            <a:pPr marL="0" indent="0">
+              <a:buNone/>
+            </a:pPr>
+            <a:r>
+              <a:rPr lang="ru-RU" sz="1600" dirty="0"/>
+              <a:t>Создание уникального </a:t>
+            </a:r>
+            <a:r>
+              <a:rPr lang="en-US" sz="1600" dirty="0" err="1"/>
+              <a:t>css</a:t>
+            </a:r>
+            <a:r>
+              <a:rPr lang="en-US" sz="1600" dirty="0"/>
+              <a:t> </a:t>
+            </a:r>
+            <a:r>
+              <a:rPr lang="ru-RU" sz="1600" dirty="0"/>
+              <a:t>стиля</a:t>
+            </a:r>
+          </a:p>
+          <a:p>
+            <a:pPr marL="0" indent="0">
+              <a:buNone/>
+            </a:pPr>
+            <a:r>
+              <a:rPr lang="ru-RU" sz="1600" dirty="0"/>
+              <a:t>Работа с </a:t>
+            </a:r>
+            <a:r>
+              <a:rPr lang="en-US" sz="1600" dirty="0"/>
+              <a:t>readme </a:t>
+            </a:r>
+            <a:r>
+              <a:rPr lang="ru-RU" sz="1600" dirty="0"/>
+              <a:t>и </a:t>
+            </a:r>
+            <a:r>
+              <a:rPr lang="ru-RU" sz="1600" dirty="0" err="1"/>
+              <a:t>тз</a:t>
+            </a:r>
+            <a:endParaRPr lang="ru-RU" sz="1600" dirty="0"/>
+          </a:p>
+          <a:p>
+            <a:pPr marL="0" indent="0">
+              <a:buNone/>
+            </a:pPr>
+            <a:r>
+              <a:rPr lang="ru-RU" sz="1600" dirty="0"/>
+              <a:t>Работа с </a:t>
+            </a:r>
+            <a:r>
+              <a:rPr lang="ru-RU" sz="1600" dirty="0" err="1"/>
+              <a:t>бд</a:t>
+            </a:r>
+            <a:r>
+              <a:rPr lang="ru-RU" sz="1600" dirty="0"/>
+              <a:t> и </a:t>
+            </a:r>
+            <a:r>
+              <a:rPr lang="en-US" sz="1600" dirty="0"/>
+              <a:t>ORM</a:t>
+            </a:r>
+            <a:endParaRPr lang="ru-RU" sz="1600" dirty="0"/>
+          </a:p>
+          <a:p>
+            <a:pPr marL="0" indent="0">
+              <a:buNone/>
+            </a:pPr>
+            <a:r>
+              <a:rPr lang="ru-RU" sz="1600" dirty="0"/>
+              <a:t>Проверка человек</a:t>
+            </a:r>
+            <a:r>
+              <a:rPr lang="en-US" sz="1600" dirty="0"/>
+              <a:t>/ </a:t>
+            </a:r>
+            <a:r>
+              <a:rPr lang="ru-RU" sz="1600" dirty="0"/>
+              <a:t>робот</a:t>
+            </a:r>
+            <a:endParaRPr lang="en-US" sz="1600" dirty="0"/>
+          </a:p>
+          <a:p>
+            <a:pPr marL="0" indent="0">
+              <a:buNone/>
+            </a:pPr>
+            <a:endParaRPr lang="ru-RU" dirty="0"/>
+          </a:p>
+          <a:p>
+            <a:pPr marL="0" indent="0">
+              <a:buNone/>
+            </a:pPr>
+            <a:endParaRPr lang="ru-RU" sz="1400" dirty="0"/>
+          </a:p>
+        </p:txBody>
+      </p:sp>
+      <p:sp>
+        <p:nvSpPr>
+          <p:cNvPr id="4" name="TextBox 3">
+            <a:extLst>
+              <a:ext uri="{FF2B5EF4-FFF2-40B4-BE49-F238E27FC236}">
+                <a16:creationId xmlns:a16="http://schemas.microsoft.com/office/drawing/2014/main" id="{D71AA3DC-8E58-41E0-8290-29114278A12A}"/>
+              </a:ext>
+            </a:extLst>
+          </p:cNvPr>
+          <p:cNvSpPr txBox="1"/>
+          <p:nvPr/>
+        </p:nvSpPr>
+        <p:spPr>
+          <a:xfrm>
+            <a:off x="4336330" y="1979629"/>
+            <a:ext cx="2931736" cy="2954655"/>
+          </a:xfrm>
+          <a:prstGeom prst="rect">
+            <a:avLst/>
+          </a:prstGeom>
+          <a:noFill/>
+        </p:spPr>
+        <p:txBody>
+          <a:bodyPr wrap="square" rtlCol="0">
+            <a:spAutoFit/>
+          </a:bodyPr>
+          <a:lstStyle/>
+          <a:p>
+            <a:r>
+              <a:rPr lang="ru-RU" sz="2800" dirty="0"/>
+              <a:t>Егор Челноков</a:t>
+            </a:r>
+          </a:p>
+          <a:p>
+            <a:r>
+              <a:rPr lang="ru-RU" sz="1600" dirty="0"/>
+              <a:t>Основная логика общения на форуме</a:t>
+            </a:r>
+            <a:endParaRPr lang="en-US" sz="1600" dirty="0"/>
+          </a:p>
+          <a:p>
+            <a:r>
+              <a:rPr lang="ru-RU" sz="1600" dirty="0"/>
+              <a:t>Разработка 2 </a:t>
+            </a:r>
+            <a:r>
+              <a:rPr lang="ru-RU" sz="1600" dirty="0" err="1"/>
+              <a:t>го</a:t>
+            </a:r>
+            <a:r>
+              <a:rPr lang="ru-RU" sz="1600" dirty="0"/>
+              <a:t> уникального </a:t>
+            </a:r>
+            <a:r>
+              <a:rPr lang="en-US" sz="1600" dirty="0" err="1"/>
+              <a:t>css</a:t>
+            </a:r>
+            <a:r>
+              <a:rPr lang="en-US" sz="1600" dirty="0"/>
+              <a:t> </a:t>
+            </a:r>
+            <a:r>
+              <a:rPr lang="ru-RU" sz="1600" dirty="0"/>
+              <a:t>стиля</a:t>
+            </a:r>
+          </a:p>
+          <a:p>
+            <a:r>
+              <a:rPr lang="ru-RU" sz="1600" dirty="0"/>
+              <a:t>Работа с внешним </a:t>
+            </a:r>
+            <a:r>
+              <a:rPr lang="en-US" sz="1600" dirty="0"/>
+              <a:t>API</a:t>
+            </a:r>
+          </a:p>
+          <a:p>
+            <a:r>
+              <a:rPr lang="ru-RU" sz="1600" dirty="0"/>
+              <a:t>Создание админ-панели</a:t>
+            </a:r>
+          </a:p>
+          <a:p>
+            <a:r>
+              <a:rPr lang="ru-RU" sz="1600" dirty="0"/>
+              <a:t>Установка на сервер</a:t>
+            </a:r>
+          </a:p>
+          <a:p>
+            <a:r>
+              <a:rPr lang="ru-RU" sz="1600" dirty="0"/>
+              <a:t>Создание презентации</a:t>
+            </a:r>
+          </a:p>
+          <a:p>
+            <a:endParaRPr lang="ru-RU" sz="1600" dirty="0"/>
+          </a:p>
+          <a:p>
+            <a:endParaRPr lang="ru-RU" sz="1400" dirty="0"/>
+          </a:p>
+        </p:txBody>
+      </p:sp>
+      <p:sp>
+        <p:nvSpPr>
+          <p:cNvPr id="5" name="TextBox 4">
+            <a:extLst>
+              <a:ext uri="{FF2B5EF4-FFF2-40B4-BE49-F238E27FC236}">
+                <a16:creationId xmlns:a16="http://schemas.microsoft.com/office/drawing/2014/main" id="{2A50B5D3-8098-4816-BE97-F1532D7AB9BC}"/>
+              </a:ext>
+            </a:extLst>
+          </p:cNvPr>
+          <p:cNvSpPr txBox="1"/>
+          <p:nvPr/>
+        </p:nvSpPr>
+        <p:spPr>
+          <a:xfrm>
+            <a:off x="7909089" y="1979629"/>
+            <a:ext cx="3444711" cy="2462213"/>
+          </a:xfrm>
+          <a:prstGeom prst="rect">
+            <a:avLst/>
+          </a:prstGeom>
+          <a:noFill/>
+        </p:spPr>
+        <p:txBody>
+          <a:bodyPr wrap="square" rtlCol="0">
+            <a:spAutoFit/>
+          </a:bodyPr>
+          <a:lstStyle/>
+          <a:p>
+            <a:r>
+              <a:rPr lang="ru-RU" sz="2800" dirty="0"/>
+              <a:t>Советов Егор</a:t>
+            </a:r>
+          </a:p>
+          <a:p>
+            <a:r>
+              <a:rPr lang="ru-RU" sz="1600" dirty="0"/>
+              <a:t>Создание</a:t>
+            </a:r>
+            <a:r>
+              <a:rPr lang="en-US" sz="1600" dirty="0"/>
+              <a:t> readme </a:t>
+            </a:r>
+            <a:r>
+              <a:rPr lang="ru-RU" sz="1600" dirty="0"/>
+              <a:t> и </a:t>
+            </a:r>
+            <a:r>
+              <a:rPr lang="ru-RU" sz="1600" dirty="0" err="1"/>
+              <a:t>тз</a:t>
+            </a:r>
+            <a:endParaRPr lang="ru-RU" sz="1600" dirty="0"/>
+          </a:p>
+          <a:p>
+            <a:r>
+              <a:rPr lang="ru-RU" sz="1600" dirty="0"/>
+              <a:t>Работа с </a:t>
+            </a:r>
+            <a:r>
+              <a:rPr lang="en-US" sz="1600" dirty="0"/>
+              <a:t>ORM </a:t>
+            </a:r>
+            <a:r>
+              <a:rPr lang="ru-RU" sz="1600" dirty="0"/>
+              <a:t>моделями</a:t>
+            </a:r>
+          </a:p>
+          <a:p>
+            <a:r>
+              <a:rPr lang="ru-RU" sz="1600" dirty="0"/>
+              <a:t>Логика работы главной страницы</a:t>
+            </a:r>
+          </a:p>
+          <a:p>
+            <a:r>
+              <a:rPr lang="ru-RU" sz="1600" dirty="0"/>
+              <a:t>Работа с базой данных</a:t>
+            </a:r>
+          </a:p>
+          <a:p>
+            <a:r>
+              <a:rPr lang="ru-RU" sz="1600" dirty="0"/>
+              <a:t>Создание шаблонов</a:t>
+            </a:r>
+          </a:p>
+          <a:p>
+            <a:r>
+              <a:rPr lang="ru-RU" sz="1600" dirty="0"/>
+              <a:t>Реализация необходимых </a:t>
+            </a:r>
+            <a:r>
+              <a:rPr lang="ru-RU" sz="1600" dirty="0" err="1"/>
+              <a:t>доп</a:t>
+            </a:r>
+            <a:r>
+              <a:rPr lang="ru-RU" sz="1600" dirty="0"/>
+              <a:t> функций</a:t>
+            </a:r>
+          </a:p>
+          <a:p>
             <a:endParaRPr lang="ru-RU" sz="1400" dirty="0"/>
           </a:p>
         </p:txBody>
@@ -3970,28 +5263,174 @@
           </a:p>
         </p:txBody>
       </p:sp>
-      <p:sp>
-        <p:nvSpPr>
-          <p:cNvPr id="3" name="Объект 2">
-            <a:extLst>
-              <a:ext uri="{FF2B5EF4-FFF2-40B4-BE49-F238E27FC236}">
-                <a16:creationId xmlns:a16="http://schemas.microsoft.com/office/drawing/2014/main" id="{5B95307E-C1B3-4FEE-A864-52AC16C1D594}"/>
-              </a:ext>
-            </a:extLst>
-          </p:cNvPr>
-          <p:cNvSpPr>
-            <a:spLocks noGrp="1"/>
-          </p:cNvSpPr>
+      <p:pic>
+        <p:nvPicPr>
+          <p:cNvPr id="5" name="Объект 4">
+            <a:extLst>
+              <a:ext uri="{FF2B5EF4-FFF2-40B4-BE49-F238E27FC236}">
+                <a16:creationId xmlns:a16="http://schemas.microsoft.com/office/drawing/2014/main" id="{D3FCCA63-AB21-41C3-A302-AA3E3D8F52B3}"/>
+              </a:ext>
+            </a:extLst>
+          </p:cNvPr>
+          <p:cNvPicPr>
+            <a:picLocks noGrp="1" noChangeAspect="1"/>
+          </p:cNvPicPr>
           <p:nvPr>
             <p:ph idx="1"/>
           </p:nvPr>
-        </p:nvSpPr>
-        <p:spPr/>
-        <p:txBody>
-          <a:bodyPr/>
-          <a:lstStyle/>
-          <a:p>
-            <a:endParaRPr lang="ru-RU"/>
+        </p:nvPicPr>
+        <p:blipFill>
+          <a:blip r:embed="rId2">
+            <a:extLst>
+              <a:ext uri="{28A0092B-C50C-407E-A947-70E740481C1C}">
+                <a14:useLocalDpi xmlns:a14="http://schemas.microsoft.com/office/drawing/2010/main" val="0"/>
+              </a:ext>
+            </a:extLst>
+          </a:blip>
+          <a:stretch>
+            <a:fillRect/>
+          </a:stretch>
+        </p:blipFill>
+        <p:spPr>
+          <a:xfrm>
+            <a:off x="838200" y="1848574"/>
+            <a:ext cx="6043367" cy="2612709"/>
+          </a:xfrm>
+        </p:spPr>
+      </p:pic>
+      <p:sp>
+        <p:nvSpPr>
+          <p:cNvPr id="6" name="TextBox 5">
+            <a:extLst>
+              <a:ext uri="{FF2B5EF4-FFF2-40B4-BE49-F238E27FC236}">
+                <a16:creationId xmlns:a16="http://schemas.microsoft.com/office/drawing/2014/main" id="{E772AC32-A999-41E7-8E5E-7D6164D76CC1}"/>
+              </a:ext>
+            </a:extLst>
+          </p:cNvPr>
+          <p:cNvSpPr txBox="1"/>
+          <p:nvPr/>
+        </p:nvSpPr>
+        <p:spPr>
+          <a:xfrm>
+            <a:off x="7466029" y="1848574"/>
+            <a:ext cx="3205113" cy="2585323"/>
+          </a:xfrm>
+          <a:prstGeom prst="rect">
+            <a:avLst/>
+          </a:prstGeom>
+          <a:noFill/>
+        </p:spPr>
+        <p:txBody>
+          <a:bodyPr wrap="square" rtlCol="0">
+            <a:spAutoFit/>
+          </a:bodyPr>
+          <a:lstStyle/>
+          <a:p>
+            <a:r>
+              <a:rPr lang="ru-RU" dirty="0"/>
+              <a:t>Наш сайт построен на </a:t>
+            </a:r>
+            <a:r>
+              <a:rPr lang="en-US" dirty="0"/>
+              <a:t>Flask(+</a:t>
+            </a:r>
+            <a:r>
+              <a:rPr lang="ru-RU" dirty="0"/>
+              <a:t> различные расширения типа </a:t>
+            </a:r>
+            <a:r>
+              <a:rPr lang="en-US" dirty="0"/>
+              <a:t>Login </a:t>
+            </a:r>
+            <a:r>
+              <a:rPr lang="ru-RU" dirty="0"/>
+              <a:t>и </a:t>
+            </a:r>
+            <a:r>
+              <a:rPr lang="ru-RU" dirty="0" err="1"/>
+              <a:t>др</a:t>
+            </a:r>
+            <a:r>
+              <a:rPr lang="ru-RU" dirty="0"/>
+              <a:t>)</a:t>
+            </a:r>
+            <a:r>
+              <a:rPr lang="en-US" dirty="0"/>
+              <a:t> . </a:t>
+            </a:r>
+            <a:r>
+              <a:rPr lang="ru-RU" dirty="0"/>
+              <a:t>Для двуканального соединения используется</a:t>
+            </a:r>
+            <a:r>
+              <a:rPr lang="en-US" dirty="0"/>
+              <a:t> </a:t>
+            </a:r>
+            <a:r>
+              <a:rPr lang="en-US" dirty="0" err="1"/>
+              <a:t>SocketIO</a:t>
+            </a:r>
+            <a:r>
+              <a:rPr lang="en-US" dirty="0"/>
+              <a:t>. </a:t>
+            </a:r>
+            <a:r>
+              <a:rPr lang="ru-RU" dirty="0"/>
+              <a:t>Также</a:t>
+            </a:r>
+            <a:r>
+              <a:rPr lang="en-US" dirty="0"/>
+              <a:t> requests </a:t>
+            </a:r>
+            <a:r>
+              <a:rPr lang="ru-RU" dirty="0"/>
+              <a:t>для </a:t>
+            </a:r>
+            <a:r>
+              <a:rPr lang="en-US" dirty="0" err="1"/>
+              <a:t>api</a:t>
+            </a:r>
+            <a:r>
+              <a:rPr lang="ru-RU" dirty="0"/>
+              <a:t>-взаимодействий, </a:t>
+            </a:r>
+            <a:r>
+              <a:rPr lang="en-US" dirty="0" err="1"/>
+              <a:t>loguru</a:t>
+            </a:r>
+            <a:r>
+              <a:rPr lang="ru-RU" dirty="0"/>
+              <a:t> для логирования, </a:t>
+            </a:r>
+            <a:r>
+              <a:rPr lang="en-US" dirty="0" err="1"/>
+              <a:t>SQLAlchemy</a:t>
+            </a:r>
+            <a:r>
+              <a:rPr lang="ru-RU" dirty="0"/>
+              <a:t> для работы с </a:t>
+            </a:r>
+            <a:r>
+              <a:rPr lang="ru-RU" dirty="0" err="1"/>
+              <a:t>бд</a:t>
+            </a:r>
+            <a:r>
+              <a:rPr lang="ru-RU" dirty="0"/>
+              <a:t>.</a:t>
+            </a:r>
+            <a:r>
+              <a:rPr lang="en-US" dirty="0"/>
+              <a:t>  </a:t>
+            </a:r>
+            <a:r>
+              <a:rPr lang="ru-RU" dirty="0"/>
+              <a:t> </a:t>
+            </a:r>
+            <a:r>
+              <a:rPr lang="en-US" dirty="0"/>
+              <a:t> </a:t>
+            </a:r>
+            <a:endParaRPr lang="ru-RU" dirty="0"/>
           </a:p>
         </p:txBody>
       </p:sp>
@@ -4154,6 +5593,42 @@
           <a:xfrm>
             <a:off x="4901443" y="4559561"/>
             <a:ext cx="1890629" cy="1933313"/>
+          </a:xfrm>
+          <a:prstGeom prst="rect">
+            <a:avLst/>
+          </a:prstGeom>
+        </p:spPr>
+      </p:pic>
+      <p:pic>
+        <p:nvPicPr>
+          <p:cNvPr id="4" name="Рисунок 3">
+            <a:extLst>
+              <a:ext uri="{FF2B5EF4-FFF2-40B4-BE49-F238E27FC236}">
+                <a16:creationId xmlns:a16="http://schemas.microsoft.com/office/drawing/2014/main" id="{A3043374-7A11-4C59-A21D-34B2F7242457}"/>
+              </a:ext>
+            </a:extLst>
+          </p:cNvPr>
+          <p:cNvPicPr>
+            <a:picLocks noChangeAspect="1"/>
+          </p:cNvPicPr>
+          <p:nvPr/>
+        </p:nvPicPr>
+        <p:blipFill>
+          <a:blip r:embed="rId5">
+            <a:extLst>
+              <a:ext uri="{28A0092B-C50C-407E-A947-70E740481C1C}">
+                <a14:useLocalDpi xmlns:a14="http://schemas.microsoft.com/office/drawing/2010/main" val="0"/>
+              </a:ext>
+            </a:extLst>
+          </a:blip>
+          <a:stretch>
+            <a:fillRect/>
+          </a:stretch>
+        </p:blipFill>
+        <p:spPr>
+          <a:xfrm>
+            <a:off x="6707230" y="1495687"/>
+            <a:ext cx="5325580" cy="2444717"/>
           </a:xfrm>
           <a:prstGeom prst="rect">
             <a:avLst/>
@@ -4195,7 +5670,7 @@
           <p:cNvPr id="2" name="Заголовок 1">
             <a:extLst>
               <a:ext uri="{FF2B5EF4-FFF2-40B4-BE49-F238E27FC236}">
-                <a16:creationId xmlns:a16="http://schemas.microsoft.com/office/drawing/2014/main" id="{A791498A-D432-4B40-B2B7-B8271824A8F4}"/>
+                <a16:creationId xmlns:a16="http://schemas.microsoft.com/office/drawing/2014/main" id="{DFF0C2C8-DCCE-4838-9CCB-05D4915519F2}"/>
               </a:ext>
             </a:extLst>
           </p:cNvPr>
@@ -4212,41 +5687,397 @@
           <a:lstStyle/>
           <a:p>
             <a:r>
+              <a:rPr lang="en-US" dirty="0"/>
+              <a:t>Frontend-</a:t>
+            </a:r>
+            <a:r>
               <a:rPr lang="ru-RU" dirty="0"/>
-              <a:t>Схема кода</a:t>
-            </a:r>
-          </a:p>
-        </p:txBody>
-      </p:sp>
-      <p:sp>
-        <p:nvSpPr>
-          <p:cNvPr id="3" name="Объект 2">
-            <a:extLst>
-              <a:ext uri="{FF2B5EF4-FFF2-40B4-BE49-F238E27FC236}">
-                <a16:creationId xmlns:a16="http://schemas.microsoft.com/office/drawing/2014/main" id="{068206AD-9B43-4E18-A27B-DB858D046BBB}"/>
-              </a:ext>
-            </a:extLst>
-          </p:cNvPr>
-          <p:cNvSpPr>
-            <a:spLocks noGrp="1"/>
-          </p:cNvSpPr>
-          <p:nvPr>
-            <p:ph idx="1"/>
-          </p:nvPr>
-        </p:nvSpPr>
-        <p:spPr/>
-        <p:txBody>
-          <a:bodyPr/>
-          <a:lstStyle/>
-          <a:p>
-            <a:endParaRPr lang="ru-RU"/>
+              <a:t>часть проекта</a:t>
+            </a:r>
+          </a:p>
+        </p:txBody>
+      </p:sp>
+      <p:sp>
+        <p:nvSpPr>
+          <p:cNvPr id="4" name="TextBox 3">
+            <a:extLst>
+              <a:ext uri="{FF2B5EF4-FFF2-40B4-BE49-F238E27FC236}">
+                <a16:creationId xmlns:a16="http://schemas.microsoft.com/office/drawing/2014/main" id="{8389A0E7-EE14-4585-82D0-A84BD8B2A6B5}"/>
+              </a:ext>
+            </a:extLst>
+          </p:cNvPr>
+          <p:cNvSpPr txBox="1"/>
+          <p:nvPr/>
+        </p:nvSpPr>
+        <p:spPr>
+          <a:xfrm>
+            <a:off x="838200" y="1506022"/>
+            <a:ext cx="1999268" cy="461665"/>
+          </a:xfrm>
+          <a:prstGeom prst="rect">
+            <a:avLst/>
+          </a:prstGeom>
+          <a:noFill/>
+        </p:spPr>
+        <p:txBody>
+          <a:bodyPr wrap="square" rtlCol="0">
+            <a:spAutoFit/>
+          </a:bodyPr>
+          <a:lstStyle/>
+          <a:p>
+            <a:r>
+              <a:rPr lang="ru-RU" sz="2400" dirty="0"/>
+              <a:t>Шаблоны</a:t>
+            </a:r>
+          </a:p>
+        </p:txBody>
+      </p:sp>
+      <p:pic>
+        <p:nvPicPr>
+          <p:cNvPr id="6" name="Рисунок 5">
+            <a:extLst>
+              <a:ext uri="{FF2B5EF4-FFF2-40B4-BE49-F238E27FC236}">
+                <a16:creationId xmlns:a16="http://schemas.microsoft.com/office/drawing/2014/main" id="{8C7F9608-5D9C-4F38-AE7D-52505BEF02A9}"/>
+              </a:ext>
+            </a:extLst>
+          </p:cNvPr>
+          <p:cNvPicPr>
+            <a:picLocks noChangeAspect="1"/>
+          </p:cNvPicPr>
+          <p:nvPr/>
+        </p:nvPicPr>
+        <p:blipFill>
+          <a:blip r:embed="rId2">
+            <a:extLst>
+              <a:ext uri="{28A0092B-C50C-407E-A947-70E740481C1C}">
+                <a14:useLocalDpi xmlns:a14="http://schemas.microsoft.com/office/drawing/2010/main" val="0"/>
+              </a:ext>
+            </a:extLst>
+          </a:blip>
+          <a:stretch>
+            <a:fillRect/>
+          </a:stretch>
+        </p:blipFill>
+        <p:spPr>
+          <a:xfrm>
+            <a:off x="838200" y="2900907"/>
+            <a:ext cx="3554691" cy="1417254"/>
+          </a:xfrm>
+          <a:prstGeom prst="rect">
+            <a:avLst/>
+          </a:prstGeom>
+        </p:spPr>
+      </p:pic>
+      <p:sp>
+        <p:nvSpPr>
+          <p:cNvPr id="7" name="TextBox 6">
+            <a:extLst>
+              <a:ext uri="{FF2B5EF4-FFF2-40B4-BE49-F238E27FC236}">
+                <a16:creationId xmlns:a16="http://schemas.microsoft.com/office/drawing/2014/main" id="{B8EECD19-6DF7-4FE6-A096-F9AB882F2107}"/>
+              </a:ext>
+            </a:extLst>
+          </p:cNvPr>
+          <p:cNvSpPr txBox="1"/>
+          <p:nvPr/>
+        </p:nvSpPr>
+        <p:spPr>
+          <a:xfrm>
+            <a:off x="7859958" y="1506022"/>
+            <a:ext cx="3493842" cy="461665"/>
+          </a:xfrm>
+          <a:prstGeom prst="rect">
+            <a:avLst/>
+          </a:prstGeom>
+          <a:noFill/>
+        </p:spPr>
+        <p:txBody>
+          <a:bodyPr wrap="none" rtlCol="0">
+            <a:spAutoFit/>
+          </a:bodyPr>
+          <a:lstStyle/>
+          <a:p>
+            <a:r>
+              <a:rPr lang="ru-RU" sz="2400" dirty="0"/>
+              <a:t>Использование </a:t>
+            </a:r>
+            <a:r>
+              <a:rPr lang="en-US" sz="2400" dirty="0"/>
+              <a:t>Bootstrap</a:t>
+            </a:r>
+            <a:endParaRPr lang="ru-RU" sz="2400" dirty="0"/>
+          </a:p>
+        </p:txBody>
+      </p:sp>
+      <p:sp>
+        <p:nvSpPr>
+          <p:cNvPr id="8" name="TextBox 7">
+            <a:extLst>
+              <a:ext uri="{FF2B5EF4-FFF2-40B4-BE49-F238E27FC236}">
+                <a16:creationId xmlns:a16="http://schemas.microsoft.com/office/drawing/2014/main" id="{844F7523-BA62-4A50-84F9-C7E128ED71CC}"/>
+              </a:ext>
+            </a:extLst>
+          </p:cNvPr>
+          <p:cNvSpPr txBox="1"/>
+          <p:nvPr/>
+        </p:nvSpPr>
+        <p:spPr>
+          <a:xfrm>
+            <a:off x="838200" y="2111132"/>
+            <a:ext cx="1999268" cy="738664"/>
+          </a:xfrm>
+          <a:prstGeom prst="rect">
+            <a:avLst/>
+          </a:prstGeom>
+          <a:noFill/>
+        </p:spPr>
+        <p:txBody>
+          <a:bodyPr wrap="square" rtlCol="0">
+            <a:spAutoFit/>
+          </a:bodyPr>
+          <a:lstStyle/>
+          <a:p>
+            <a:r>
+              <a:rPr lang="ru-RU" sz="1400" dirty="0"/>
+              <a:t>Использован </a:t>
+            </a:r>
+            <a:r>
+              <a:rPr lang="ru-RU" sz="1400" dirty="0" err="1"/>
+              <a:t>шаблонизатор</a:t>
+            </a:r>
+            <a:r>
+              <a:rPr lang="ru-RU" sz="1400" dirty="0"/>
+              <a:t> </a:t>
+            </a:r>
+            <a:r>
+              <a:rPr lang="en-US" sz="1400" dirty="0"/>
+              <a:t>Jinja</a:t>
+            </a:r>
+            <a:r>
+              <a:rPr lang="ru-RU" sz="1400" dirty="0"/>
+              <a:t>, в т. ч. циклы, условия, теги. </a:t>
+            </a:r>
+          </a:p>
+        </p:txBody>
+      </p:sp>
+      <p:sp>
+        <p:nvSpPr>
+          <p:cNvPr id="9" name="TextBox 8">
+            <a:extLst>
+              <a:ext uri="{FF2B5EF4-FFF2-40B4-BE49-F238E27FC236}">
+                <a16:creationId xmlns:a16="http://schemas.microsoft.com/office/drawing/2014/main" id="{2B26426E-0CEF-4918-BC26-791604F5325F}"/>
+              </a:ext>
+            </a:extLst>
+          </p:cNvPr>
+          <p:cNvSpPr txBox="1"/>
+          <p:nvPr/>
+        </p:nvSpPr>
+        <p:spPr>
+          <a:xfrm>
+            <a:off x="838200" y="4369273"/>
+            <a:ext cx="1419235" cy="461665"/>
+          </a:xfrm>
+          <a:prstGeom prst="rect">
+            <a:avLst/>
+          </a:prstGeom>
+          <a:noFill/>
+        </p:spPr>
+        <p:txBody>
+          <a:bodyPr wrap="none" rtlCol="0">
+            <a:spAutoFit/>
+          </a:bodyPr>
+          <a:lstStyle/>
+          <a:p>
+            <a:r>
+              <a:rPr lang="en-US" sz="2400" dirty="0"/>
+              <a:t>JavaScript</a:t>
+            </a:r>
+            <a:endParaRPr lang="ru-RU" sz="2400" dirty="0"/>
+          </a:p>
+        </p:txBody>
+      </p:sp>
+      <p:sp>
+        <p:nvSpPr>
+          <p:cNvPr id="10" name="TextBox 9">
+            <a:extLst>
+              <a:ext uri="{FF2B5EF4-FFF2-40B4-BE49-F238E27FC236}">
+                <a16:creationId xmlns:a16="http://schemas.microsoft.com/office/drawing/2014/main" id="{3B08F39B-7A32-412E-B708-5378C20EE20D}"/>
+              </a:ext>
+            </a:extLst>
+          </p:cNvPr>
+          <p:cNvSpPr txBox="1"/>
+          <p:nvPr/>
+        </p:nvSpPr>
+        <p:spPr>
+          <a:xfrm>
+            <a:off x="838199" y="4963212"/>
+            <a:ext cx="4327689" cy="1169551"/>
+          </a:xfrm>
+          <a:prstGeom prst="rect">
+            <a:avLst/>
+          </a:prstGeom>
+          <a:noFill/>
+        </p:spPr>
+        <p:txBody>
+          <a:bodyPr wrap="square" rtlCol="0">
+            <a:spAutoFit/>
+          </a:bodyPr>
+          <a:lstStyle/>
+          <a:p>
+            <a:r>
+              <a:rPr lang="ru-RU" sz="1400" dirty="0"/>
+              <a:t>В проекте много функций реализовано с помощью </a:t>
+            </a:r>
+            <a:r>
+              <a:rPr lang="en-US" sz="1400" dirty="0" err="1"/>
+              <a:t>js</a:t>
+            </a:r>
+            <a:r>
+              <a:rPr lang="ru-RU" sz="1400" dirty="0"/>
+              <a:t> кода</a:t>
+            </a:r>
+            <a:r>
+              <a:rPr lang="en-US" sz="1400" dirty="0"/>
+              <a:t>: </a:t>
+            </a:r>
+            <a:r>
+              <a:rPr lang="ru-RU" sz="1400" dirty="0"/>
+              <a:t>получение данных с сервера в реальном времени без перезарузки страницы, различные анимации и эффекты,</a:t>
+            </a:r>
+            <a:r>
+              <a:rPr lang="en-US" sz="1400" dirty="0"/>
+              <a:t> </a:t>
+            </a:r>
+            <a:r>
+              <a:rPr lang="ru-RU" sz="1400" dirty="0"/>
+              <a:t> создание элементов </a:t>
+            </a:r>
+            <a:r>
+              <a:rPr lang="en-US" sz="1400" dirty="0"/>
+              <a:t>DOM </a:t>
+            </a:r>
+            <a:r>
+              <a:rPr lang="ru-RU" sz="1400" dirty="0"/>
+              <a:t>прямо в браузере.</a:t>
+            </a:r>
+          </a:p>
+        </p:txBody>
+      </p:sp>
+      <p:pic>
+        <p:nvPicPr>
+          <p:cNvPr id="18" name="Рисунок 17">
+            <a:extLst>
+              <a:ext uri="{FF2B5EF4-FFF2-40B4-BE49-F238E27FC236}">
+                <a16:creationId xmlns:a16="http://schemas.microsoft.com/office/drawing/2014/main" id="{715F2EDE-CFFD-4DE3-AAE3-E947EB31C7B2}"/>
+              </a:ext>
+            </a:extLst>
+          </p:cNvPr>
+          <p:cNvPicPr>
+            <a:picLocks noChangeAspect="1"/>
+          </p:cNvPicPr>
+          <p:nvPr/>
+        </p:nvPicPr>
+        <p:blipFill>
+          <a:blip r:embed="rId3">
+            <a:extLst>
+              <a:ext uri="{28A0092B-C50C-407E-A947-70E740481C1C}">
+                <a14:useLocalDpi xmlns:a14="http://schemas.microsoft.com/office/drawing/2010/main" val="0"/>
+              </a:ext>
+            </a:extLst>
+          </a:blip>
+          <a:stretch>
+            <a:fillRect/>
+          </a:stretch>
+        </p:blipFill>
+        <p:spPr>
+          <a:xfrm>
+            <a:off x="5165888" y="4963211"/>
+            <a:ext cx="1919923" cy="1169551"/>
+          </a:xfrm>
+          <a:prstGeom prst="rect">
+            <a:avLst/>
+          </a:prstGeom>
+        </p:spPr>
+      </p:pic>
+      <p:pic>
+        <p:nvPicPr>
+          <p:cNvPr id="5" name="Рисунок 4">
+            <a:extLst>
+              <a:ext uri="{FF2B5EF4-FFF2-40B4-BE49-F238E27FC236}">
+                <a16:creationId xmlns:a16="http://schemas.microsoft.com/office/drawing/2014/main" id="{F4A2D4D0-25EA-4CF8-9BF8-5A76BE4DE1AC}"/>
+              </a:ext>
+            </a:extLst>
+          </p:cNvPr>
+          <p:cNvPicPr>
+            <a:picLocks noChangeAspect="1"/>
+          </p:cNvPicPr>
+          <p:nvPr/>
+        </p:nvPicPr>
+        <p:blipFill>
+          <a:blip r:embed="rId4">
+            <a:extLst>
+              <a:ext uri="{28A0092B-C50C-407E-A947-70E740481C1C}">
+                <a14:useLocalDpi xmlns:a14="http://schemas.microsoft.com/office/drawing/2010/main" val="0"/>
+              </a:ext>
+            </a:extLst>
+          </a:blip>
+          <a:stretch>
+            <a:fillRect/>
+          </a:stretch>
+        </p:blipFill>
+        <p:spPr>
+          <a:xfrm>
+            <a:off x="7589726" y="2111132"/>
+            <a:ext cx="3998510" cy="1835522"/>
+          </a:xfrm>
+          <a:prstGeom prst="rect">
+            <a:avLst/>
+          </a:prstGeom>
+        </p:spPr>
+      </p:pic>
+      <p:sp>
+        <p:nvSpPr>
+          <p:cNvPr id="11" name="TextBox 10">
+            <a:extLst>
+              <a:ext uri="{FF2B5EF4-FFF2-40B4-BE49-F238E27FC236}">
+                <a16:creationId xmlns:a16="http://schemas.microsoft.com/office/drawing/2014/main" id="{A866AFB7-DEBC-4ECD-A011-BE6ED30E1963}"/>
+              </a:ext>
+            </a:extLst>
+          </p:cNvPr>
+          <p:cNvSpPr txBox="1"/>
+          <p:nvPr/>
+        </p:nvSpPr>
+        <p:spPr>
+          <a:xfrm>
+            <a:off x="7692272" y="4600104"/>
+            <a:ext cx="3895964" cy="523220"/>
+          </a:xfrm>
+          <a:prstGeom prst="rect">
+            <a:avLst/>
+          </a:prstGeom>
+          <a:noFill/>
+        </p:spPr>
+        <p:txBody>
+          <a:bodyPr wrap="square" rtlCol="0">
+            <a:spAutoFit/>
+          </a:bodyPr>
+          <a:lstStyle/>
+          <a:p>
+            <a:r>
+              <a:rPr lang="ru-RU" sz="1400" dirty="0"/>
+              <a:t>Раздел профиля реализован с использованием компонентов </a:t>
+            </a:r>
+            <a:r>
+              <a:rPr lang="en-US" sz="1400" dirty="0"/>
+              <a:t>Bootstrap.</a:t>
+            </a:r>
+            <a:endParaRPr lang="ru-RU" sz="1400" dirty="0"/>
           </a:p>
         </p:txBody>
       </p:sp>
     </p:spTree>
     <p:extLst>
       <p:ext uri="{BB962C8B-B14F-4D97-AF65-F5344CB8AC3E}">
-        <p14:creationId xmlns:p14="http://schemas.microsoft.com/office/powerpoint/2010/main" val="776690197"/>
+        <p14:creationId xmlns:p14="http://schemas.microsoft.com/office/powerpoint/2010/main" val="1090518617"/>
       </p:ext>
     </p:extLst>
   </p:cSld>
@@ -4278,7 +6109,7 @@
           <p:cNvPr id="2" name="Заголовок 1">
             <a:extLst>
               <a:ext uri="{FF2B5EF4-FFF2-40B4-BE49-F238E27FC236}">
-                <a16:creationId xmlns:a16="http://schemas.microsoft.com/office/drawing/2014/main" id="{DFF0C2C8-DCCE-4838-9CCB-05D4915519F2}"/>
+                <a16:creationId xmlns:a16="http://schemas.microsoft.com/office/drawing/2014/main" id="{C95846FA-FA4B-43C6-9B56-8FF46200AEC6}"/>
               </a:ext>
             </a:extLst>
           </p:cNvPr>
@@ -4295,12 +6126,8 @@
           <a:lstStyle/>
           <a:p>
             <a:r>
-              <a:rPr lang="en-US" dirty="0"/>
-              <a:t>Frontend-</a:t>
-            </a:r>
-            <a:r>
               <a:rPr lang="ru-RU" dirty="0"/>
-              <a:t>часть проекта</a:t>
+              <a:t>Работа с данными</a:t>
             </a:r>
           </a:p>
         </p:txBody>
@@ -4310,7 +6137,7 @@
           <p:cNvPr id="4" name="TextBox 3">
             <a:extLst>
               <a:ext uri="{FF2B5EF4-FFF2-40B4-BE49-F238E27FC236}">
-                <a16:creationId xmlns:a16="http://schemas.microsoft.com/office/drawing/2014/main" id="{8389A0E7-EE14-4585-82D0-A84BD8B2A6B5}"/>
+                <a16:creationId xmlns:a16="http://schemas.microsoft.com/office/drawing/2014/main" id="{5D1BC020-6866-4C34-BE12-552A5336E922}"/>
               </a:ext>
             </a:extLst>
           </p:cNvPr>
@@ -4319,8 +6146,8 @@
         </p:nvSpPr>
         <p:spPr>
           <a:xfrm>
-            <a:off x="838200" y="1506022"/>
-            <a:ext cx="1999268" cy="461665"/>
+            <a:off x="838199" y="1690688"/>
+            <a:ext cx="1942707" cy="461665"/>
           </a:xfrm>
           <a:prstGeom prst="rect">
             <a:avLst/>
@@ -4334,8 +6161,12 @@
           <a:lstStyle/>
           <a:p>
             <a:r>
+              <a:rPr lang="en-US" sz="2400" dirty="0"/>
+              <a:t>ORM</a:t>
+            </a:r>
+            <a:r>
               <a:rPr lang="ru-RU" sz="2400" dirty="0"/>
-              <a:t>Шаблоны</a:t>
+              <a:t>-модели</a:t>
             </a:r>
           </a:p>
         </p:txBody>
@@ -4345,7 +6176,7 @@
           <p:cNvPr id="6" name="Рисунок 5">
             <a:extLst>
               <a:ext uri="{FF2B5EF4-FFF2-40B4-BE49-F238E27FC236}">
-                <a16:creationId xmlns:a16="http://schemas.microsoft.com/office/drawing/2014/main" id="{8C7F9608-5D9C-4F38-AE7D-52505BEF02A9}"/>
+                <a16:creationId xmlns:a16="http://schemas.microsoft.com/office/drawing/2014/main" id="{B8D2063D-B620-4913-850A-EFFFF5CE2735}"/>
               </a:ext>
             </a:extLst>
           </p:cNvPr>
@@ -4368,214 +6199,20 @@
         </p:blipFill>
         <p:spPr>
           <a:xfrm>
-            <a:off x="838200" y="2900907"/>
-            <a:ext cx="3554691" cy="1417254"/>
+            <a:off x="838199" y="2337848"/>
+            <a:ext cx="5530542" cy="1759718"/>
           </a:xfrm>
           <a:prstGeom prst="rect">
             <a:avLst/>
           </a:prstGeom>
         </p:spPr>
       </p:pic>
-      <p:sp>
-        <p:nvSpPr>
-          <p:cNvPr id="7" name="TextBox 6">
-            <a:extLst>
-              <a:ext uri="{FF2B5EF4-FFF2-40B4-BE49-F238E27FC236}">
-                <a16:creationId xmlns:a16="http://schemas.microsoft.com/office/drawing/2014/main" id="{B8EECD19-6DF7-4FE6-A096-F9AB882F2107}"/>
-              </a:ext>
-            </a:extLst>
-          </p:cNvPr>
-          <p:cNvSpPr txBox="1"/>
-          <p:nvPr/>
-        </p:nvSpPr>
-        <p:spPr>
-          <a:xfrm>
-            <a:off x="7859958" y="1506022"/>
-            <a:ext cx="3493842" cy="461665"/>
-          </a:xfrm>
-          <a:prstGeom prst="rect">
-            <a:avLst/>
-          </a:prstGeom>
-          <a:noFill/>
-        </p:spPr>
-        <p:txBody>
-          <a:bodyPr wrap="none" rtlCol="0">
-            <a:spAutoFit/>
-          </a:bodyPr>
-          <a:lstStyle/>
-          <a:p>
-            <a:r>
-              <a:rPr lang="ru-RU" sz="2400" dirty="0"/>
-              <a:t>Использование </a:t>
-            </a:r>
-            <a:r>
-              <a:rPr lang="en-US" sz="2400" dirty="0"/>
-              <a:t>Bootstrap</a:t>
-            </a:r>
-            <a:endParaRPr lang="ru-RU" sz="2400" dirty="0"/>
-          </a:p>
-        </p:txBody>
-      </p:sp>
-      <p:sp>
-        <p:nvSpPr>
-          <p:cNvPr id="8" name="TextBox 7">
-            <a:extLst>
-              <a:ext uri="{FF2B5EF4-FFF2-40B4-BE49-F238E27FC236}">
-                <a16:creationId xmlns:a16="http://schemas.microsoft.com/office/drawing/2014/main" id="{844F7523-BA62-4A50-84F9-C7E128ED71CC}"/>
-              </a:ext>
-            </a:extLst>
-          </p:cNvPr>
-          <p:cNvSpPr txBox="1"/>
-          <p:nvPr/>
-        </p:nvSpPr>
-        <p:spPr>
-          <a:xfrm>
-            <a:off x="838200" y="2111132"/>
-            <a:ext cx="1999268" cy="738664"/>
-          </a:xfrm>
-          <a:prstGeom prst="rect">
-            <a:avLst/>
-          </a:prstGeom>
-          <a:noFill/>
-        </p:spPr>
-        <p:txBody>
-          <a:bodyPr wrap="square" rtlCol="0">
-            <a:spAutoFit/>
-          </a:bodyPr>
-          <a:lstStyle/>
-          <a:p>
-            <a:r>
-              <a:rPr lang="ru-RU" sz="1400" dirty="0"/>
-              <a:t>Использован </a:t>
-            </a:r>
-            <a:r>
-              <a:rPr lang="ru-RU" sz="1400" dirty="0" err="1"/>
-              <a:t>шаблонизатор</a:t>
-            </a:r>
-            <a:r>
-              <a:rPr lang="ru-RU" sz="1400" dirty="0"/>
-              <a:t> </a:t>
-            </a:r>
-            <a:r>
-              <a:rPr lang="en-US" sz="1400" dirty="0"/>
-              <a:t>Jinja</a:t>
-            </a:r>
-            <a:r>
-              <a:rPr lang="ru-RU" sz="1400" dirty="0"/>
-              <a:t>, в т. ч. циклы, условия, теги. </a:t>
-            </a:r>
-          </a:p>
-        </p:txBody>
-      </p:sp>
-      <p:sp>
-        <p:nvSpPr>
-          <p:cNvPr id="9" name="TextBox 8">
-            <a:extLst>
-              <a:ext uri="{FF2B5EF4-FFF2-40B4-BE49-F238E27FC236}">
-                <a16:creationId xmlns:a16="http://schemas.microsoft.com/office/drawing/2014/main" id="{2B26426E-0CEF-4918-BC26-791604F5325F}"/>
-              </a:ext>
-            </a:extLst>
-          </p:cNvPr>
-          <p:cNvSpPr txBox="1"/>
-          <p:nvPr/>
-        </p:nvSpPr>
-        <p:spPr>
-          <a:xfrm>
-            <a:off x="838200" y="4369273"/>
-            <a:ext cx="1419235" cy="461665"/>
-          </a:xfrm>
-          <a:prstGeom prst="rect">
-            <a:avLst/>
-          </a:prstGeom>
-          <a:noFill/>
-        </p:spPr>
-        <p:txBody>
-          <a:bodyPr wrap="none" rtlCol="0">
-            <a:spAutoFit/>
-          </a:bodyPr>
-          <a:lstStyle/>
-          <a:p>
-            <a:r>
-              <a:rPr lang="en-US" sz="2400" dirty="0"/>
-              <a:t>JavaScript</a:t>
-            </a:r>
-            <a:endParaRPr lang="ru-RU" sz="2400" dirty="0"/>
-          </a:p>
-        </p:txBody>
-      </p:sp>
-      <p:sp>
-        <p:nvSpPr>
-          <p:cNvPr id="10" name="TextBox 9">
-            <a:extLst>
-              <a:ext uri="{FF2B5EF4-FFF2-40B4-BE49-F238E27FC236}">
-                <a16:creationId xmlns:a16="http://schemas.microsoft.com/office/drawing/2014/main" id="{3B08F39B-7A32-412E-B708-5378C20EE20D}"/>
-              </a:ext>
-            </a:extLst>
-          </p:cNvPr>
-          <p:cNvSpPr txBox="1"/>
-          <p:nvPr/>
-        </p:nvSpPr>
-        <p:spPr>
-          <a:xfrm>
-            <a:off x="838199" y="4963212"/>
-            <a:ext cx="4327689" cy="1169551"/>
-          </a:xfrm>
-          <a:prstGeom prst="rect">
-            <a:avLst/>
-          </a:prstGeom>
-          <a:noFill/>
-        </p:spPr>
-        <p:txBody>
-          <a:bodyPr wrap="square" rtlCol="0">
-            <a:spAutoFit/>
-          </a:bodyPr>
-          <a:lstStyle/>
-          <a:p>
-            <a:r>
-              <a:rPr lang="ru-RU" sz="1400" dirty="0"/>
-              <a:t>В проекте много функций реализовано с помощью </a:t>
-            </a:r>
-            <a:r>
-              <a:rPr lang="en-US" sz="1400" dirty="0" err="1"/>
-              <a:t>js</a:t>
-            </a:r>
-            <a:r>
-              <a:rPr lang="ru-RU" sz="1400" dirty="0"/>
-              <a:t> кода</a:t>
-            </a:r>
-            <a:r>
-              <a:rPr lang="en-US" sz="1400" dirty="0"/>
-              <a:t>: </a:t>
-            </a:r>
-            <a:r>
-              <a:rPr lang="ru-RU" sz="1400" dirty="0"/>
-              <a:t>получение данных с сервера в реальном времени без перезарузки страницы, различные анимации и эффекты,</a:t>
-            </a:r>
-            <a:r>
-              <a:rPr lang="en-US" sz="1400" dirty="0"/>
-              <a:t> </a:t>
-            </a:r>
-            <a:r>
-              <a:rPr lang="ru-RU" sz="1400" dirty="0"/>
-              <a:t> создание элементов </a:t>
-            </a:r>
-            <a:r>
-              <a:rPr lang="en-US" sz="1400" dirty="0"/>
-              <a:t>DOM </a:t>
-            </a:r>
-            <a:r>
-              <a:rPr lang="ru-RU" sz="1400" dirty="0"/>
-              <a:t>прямо в браузере.</a:t>
-            </a:r>
-          </a:p>
-        </p:txBody>
-      </p:sp>
       <p:pic>
         <p:nvPicPr>
-          <p:cNvPr id="18" name="Рисунок 17">
-            <a:extLst>
-              <a:ext uri="{FF2B5EF4-FFF2-40B4-BE49-F238E27FC236}">
-                <a16:creationId xmlns:a16="http://schemas.microsoft.com/office/drawing/2014/main" id="{715F2EDE-CFFD-4DE3-AAE3-E947EB31C7B2}"/>
+          <p:cNvPr id="8" name="Рисунок 7">
+            <a:extLst>
+              <a:ext uri="{FF2B5EF4-FFF2-40B4-BE49-F238E27FC236}">
+                <a16:creationId xmlns:a16="http://schemas.microsoft.com/office/drawing/2014/main" id="{E98244E3-C338-4529-A544-5DE895B9D4A7}"/>
               </a:ext>
             </a:extLst>
           </p:cNvPr>
@@ -4598,18 +6235,183 @@
         </p:blipFill>
         <p:spPr>
           <a:xfrm>
-            <a:off x="5165888" y="4963211"/>
-            <a:ext cx="1919923" cy="1169551"/>
+            <a:off x="828186" y="4562573"/>
+            <a:ext cx="5540555" cy="1452225"/>
           </a:xfrm>
           <a:prstGeom prst="rect">
             <a:avLst/>
           </a:prstGeom>
         </p:spPr>
       </p:pic>
+      <p:pic>
+        <p:nvPicPr>
+          <p:cNvPr id="10" name="Рисунок 9">
+            <a:extLst>
+              <a:ext uri="{FF2B5EF4-FFF2-40B4-BE49-F238E27FC236}">
+                <a16:creationId xmlns:a16="http://schemas.microsoft.com/office/drawing/2014/main" id="{CF93D662-9408-4ED0-B9F2-0CFE916A42FB}"/>
+              </a:ext>
+            </a:extLst>
+          </p:cNvPr>
+          <p:cNvPicPr>
+            <a:picLocks noChangeAspect="1"/>
+          </p:cNvPicPr>
+          <p:nvPr/>
+        </p:nvPicPr>
+        <p:blipFill>
+          <a:blip r:embed="rId4">
+            <a:extLst>
+              <a:ext uri="{28A0092B-C50C-407E-A947-70E740481C1C}">
+                <a14:useLocalDpi xmlns:a14="http://schemas.microsoft.com/office/drawing/2010/main" val="0"/>
+              </a:ext>
+            </a:extLst>
+          </a:blip>
+          <a:stretch>
+            <a:fillRect/>
+          </a:stretch>
+        </p:blipFill>
+        <p:spPr>
+          <a:xfrm>
+            <a:off x="6774238" y="4562926"/>
+            <a:ext cx="4943279" cy="1451872"/>
+          </a:xfrm>
+          <a:prstGeom prst="rect">
+            <a:avLst/>
+          </a:prstGeom>
+        </p:spPr>
+      </p:pic>
+      <p:sp>
+        <p:nvSpPr>
+          <p:cNvPr id="11" name="TextBox 10">
+            <a:extLst>
+              <a:ext uri="{FF2B5EF4-FFF2-40B4-BE49-F238E27FC236}">
+                <a16:creationId xmlns:a16="http://schemas.microsoft.com/office/drawing/2014/main" id="{74F27428-669A-48C1-BEAA-D84CD2F5C2A8}"/>
+              </a:ext>
+            </a:extLst>
+          </p:cNvPr>
+          <p:cNvSpPr txBox="1"/>
+          <p:nvPr/>
+        </p:nvSpPr>
+        <p:spPr>
+          <a:xfrm>
+            <a:off x="6774238" y="1690688"/>
+            <a:ext cx="3601887" cy="461665"/>
+          </a:xfrm>
+          <a:prstGeom prst="rect">
+            <a:avLst/>
+          </a:prstGeom>
+          <a:noFill/>
+        </p:spPr>
+        <p:txBody>
+          <a:bodyPr wrap="square" rtlCol="0">
+            <a:spAutoFit/>
+          </a:bodyPr>
+          <a:lstStyle/>
+          <a:p>
+            <a:r>
+              <a:rPr lang="ru-RU" sz="2400" dirty="0"/>
+              <a:t>Организация БД</a:t>
+            </a:r>
+          </a:p>
+        </p:txBody>
+      </p:sp>
+      <p:sp>
+        <p:nvSpPr>
+          <p:cNvPr id="12" name="TextBox 11">
+            <a:extLst>
+              <a:ext uri="{FF2B5EF4-FFF2-40B4-BE49-F238E27FC236}">
+                <a16:creationId xmlns:a16="http://schemas.microsoft.com/office/drawing/2014/main" id="{920DEE1E-8796-40DC-9664-73425EEE9A09}"/>
+              </a:ext>
+            </a:extLst>
+          </p:cNvPr>
+          <p:cNvSpPr txBox="1"/>
+          <p:nvPr/>
+        </p:nvSpPr>
+        <p:spPr>
+          <a:xfrm>
+            <a:off x="6774238" y="2225969"/>
+            <a:ext cx="4443953" cy="2308324"/>
+          </a:xfrm>
+          <a:prstGeom prst="rect">
+            <a:avLst/>
+          </a:prstGeom>
+          <a:noFill/>
+        </p:spPr>
+        <p:txBody>
+          <a:bodyPr wrap="square" rtlCol="0">
+            <a:spAutoFit/>
+          </a:bodyPr>
+          <a:lstStyle/>
+          <a:p>
+            <a:r>
+              <a:rPr lang="ru-RU" dirty="0"/>
+              <a:t>В проекте используется СУБД </a:t>
+            </a:r>
+            <a:r>
+              <a:rPr lang="en-US" dirty="0" err="1"/>
+              <a:t>Sqlite</a:t>
+            </a:r>
+            <a:r>
+              <a:rPr lang="ru-RU" dirty="0"/>
+              <a:t>. </a:t>
+            </a:r>
+          </a:p>
+          <a:p>
+            <a:pPr marL="342900" indent="-342900">
+              <a:buAutoNum type="arabicPeriod"/>
+            </a:pPr>
+            <a:r>
+              <a:rPr lang="ru-RU" dirty="0"/>
+              <a:t>Все таблицы между собой имеют связи(</a:t>
+            </a:r>
+            <a:r>
+              <a:rPr lang="en-US" dirty="0"/>
+              <a:t>many to one, one to one</a:t>
+            </a:r>
+            <a:r>
+              <a:rPr lang="ru-RU" dirty="0"/>
+              <a:t>).</a:t>
+            </a:r>
+          </a:p>
+          <a:p>
+            <a:pPr marL="342900" indent="-342900">
+              <a:buAutoNum type="arabicPeriod"/>
+            </a:pPr>
+            <a:r>
+              <a:rPr lang="ru-RU" dirty="0"/>
+              <a:t>Все </a:t>
+            </a:r>
+            <a:r>
+              <a:rPr lang="en-US" dirty="0"/>
+              <a:t>SQL </a:t>
+            </a:r>
+            <a:r>
+              <a:rPr lang="ru-RU" dirty="0"/>
+              <a:t>операции проходят через </a:t>
+            </a:r>
+            <a:r>
+              <a:rPr lang="en-US" dirty="0"/>
+              <a:t>ORM </a:t>
+            </a:r>
+            <a:r>
+              <a:rPr lang="ru-RU" dirty="0"/>
+              <a:t>движок.</a:t>
+            </a:r>
+          </a:p>
+          <a:p>
+            <a:pPr marL="342900" indent="-342900">
+              <a:buAutoNum type="arabicPeriod"/>
+            </a:pPr>
+            <a:r>
+              <a:rPr lang="ru-RU" dirty="0"/>
+              <a:t>Определенные действия пользователя приводят к изменению, добавлению или чтению данных.</a:t>
+            </a:r>
+          </a:p>
+        </p:txBody>
+      </p:sp>
     </p:spTree>
     <p:extLst>
       <p:ext uri="{BB962C8B-B14F-4D97-AF65-F5344CB8AC3E}">
-        <p14:creationId xmlns:p14="http://schemas.microsoft.com/office/powerpoint/2010/main" val="1090518617"/>
+        <p14:creationId xmlns:p14="http://schemas.microsoft.com/office/powerpoint/2010/main" val="2451720246"/>
       </p:ext>
     </p:extLst>
   </p:cSld>
@@ -4641,7 +6443,7 @@
           <p:cNvPr id="2" name="Заголовок 1">
             <a:extLst>
               <a:ext uri="{FF2B5EF4-FFF2-40B4-BE49-F238E27FC236}">
-                <a16:creationId xmlns:a16="http://schemas.microsoft.com/office/drawing/2014/main" id="{C95846FA-FA4B-43C6-9B56-8FF46200AEC6}"/>
+                <a16:creationId xmlns:a16="http://schemas.microsoft.com/office/drawing/2014/main" id="{DE2696B1-AFA5-4A65-B5FD-D3CA3D3ACEDB}"/>
               </a:ext>
             </a:extLst>
           </p:cNvPr>
@@ -4659,56 +6461,17 @@
           <a:p>
             <a:r>
               <a:rPr lang="ru-RU" dirty="0"/>
-              <a:t>Работа с данными</a:t>
-            </a:r>
-          </a:p>
-        </p:txBody>
-      </p:sp>
-      <p:sp>
-        <p:nvSpPr>
-          <p:cNvPr id="4" name="TextBox 3">
-            <a:extLst>
-              <a:ext uri="{FF2B5EF4-FFF2-40B4-BE49-F238E27FC236}">
-                <a16:creationId xmlns:a16="http://schemas.microsoft.com/office/drawing/2014/main" id="{5D1BC020-6866-4C34-BE12-552A5336E922}"/>
-              </a:ext>
-            </a:extLst>
-          </p:cNvPr>
-          <p:cNvSpPr txBox="1"/>
-          <p:nvPr/>
-        </p:nvSpPr>
-        <p:spPr>
-          <a:xfrm>
-            <a:off x="838199" y="1690688"/>
-            <a:ext cx="1942707" cy="461665"/>
-          </a:xfrm>
-          <a:prstGeom prst="rect">
-            <a:avLst/>
-          </a:prstGeom>
-          <a:noFill/>
-        </p:spPr>
-        <p:txBody>
-          <a:bodyPr wrap="square" rtlCol="0">
-            <a:spAutoFit/>
-          </a:bodyPr>
-          <a:lstStyle/>
-          <a:p>
-            <a:r>
-              <a:rPr lang="en-US" sz="2400" dirty="0"/>
-              <a:t>ORM</a:t>
-            </a:r>
-            <a:r>
-              <a:rPr lang="ru-RU" sz="2400" dirty="0"/>
-              <a:t>-модели</a:t>
+              <a:t>Регистрация и авторизация</a:t>
             </a:r>
           </a:p>
         </p:txBody>
       </p:sp>
       <p:pic>
         <p:nvPicPr>
-          <p:cNvPr id="6" name="Рисунок 5">
-            <a:extLst>
-              <a:ext uri="{FF2B5EF4-FFF2-40B4-BE49-F238E27FC236}">
-                <a16:creationId xmlns:a16="http://schemas.microsoft.com/office/drawing/2014/main" id="{B8D2063D-B620-4913-850A-EFFFF5CE2735}"/>
+          <p:cNvPr id="5" name="Рисунок 4">
+            <a:extLst>
+              <a:ext uri="{FF2B5EF4-FFF2-40B4-BE49-F238E27FC236}">
+                <a16:creationId xmlns:a16="http://schemas.microsoft.com/office/drawing/2014/main" id="{BE0AFCBF-A423-4CFC-84EC-9CC7438B6C43}"/>
               </a:ext>
             </a:extLst>
           </p:cNvPr>
@@ -4731,8 +6494,8 @@
         </p:blipFill>
         <p:spPr>
           <a:xfrm>
-            <a:off x="838199" y="2337848"/>
-            <a:ext cx="5530542" cy="1759718"/>
+            <a:off x="838200" y="1690688"/>
+            <a:ext cx="3419937" cy="3987580"/>
           </a:xfrm>
           <a:prstGeom prst="rect">
             <a:avLst/>
@@ -4741,10 +6504,10 @@
       </p:pic>
       <p:pic>
         <p:nvPicPr>
-          <p:cNvPr id="8" name="Рисунок 7">
-            <a:extLst>
-              <a:ext uri="{FF2B5EF4-FFF2-40B4-BE49-F238E27FC236}">
-                <a16:creationId xmlns:a16="http://schemas.microsoft.com/office/drawing/2014/main" id="{E98244E3-C338-4529-A544-5DE895B9D4A7}"/>
+          <p:cNvPr id="7" name="Рисунок 6">
+            <a:extLst>
+              <a:ext uri="{FF2B5EF4-FFF2-40B4-BE49-F238E27FC236}">
+                <a16:creationId xmlns:a16="http://schemas.microsoft.com/office/drawing/2014/main" id="{D3180568-3EF3-4B5D-AA45-79D840F19579}"/>
               </a:ext>
             </a:extLst>
           </p:cNvPr>
@@ -4767,66 +6530,30 @@
         </p:blipFill>
         <p:spPr>
           <a:xfrm>
-            <a:off x="828186" y="4562573"/>
-            <a:ext cx="5540555" cy="1452225"/>
+            <a:off x="4524994" y="1690688"/>
+            <a:ext cx="3745344" cy="3987580"/>
           </a:xfrm>
           <a:prstGeom prst="rect">
             <a:avLst/>
           </a:prstGeom>
         </p:spPr>
       </p:pic>
-      <p:pic>
-        <p:nvPicPr>
-          <p:cNvPr id="10" name="Рисунок 9">
-            <a:extLst>
-              <a:ext uri="{FF2B5EF4-FFF2-40B4-BE49-F238E27FC236}">
-                <a16:creationId xmlns:a16="http://schemas.microsoft.com/office/drawing/2014/main" id="{CF93D662-9408-4ED0-B9F2-0CFE916A42FB}"/>
-              </a:ext>
-            </a:extLst>
-          </p:cNvPr>
-          <p:cNvPicPr>
-            <a:picLocks noChangeAspect="1"/>
-          </p:cNvPicPr>
+      <p:sp>
+        <p:nvSpPr>
+          <p:cNvPr id="8" name="TextBox 7">
+            <a:extLst>
+              <a:ext uri="{FF2B5EF4-FFF2-40B4-BE49-F238E27FC236}">
+                <a16:creationId xmlns:a16="http://schemas.microsoft.com/office/drawing/2014/main" id="{0A2A7087-00F0-4A3F-BBB6-2ADF9C8F6116}"/>
+              </a:ext>
+            </a:extLst>
+          </p:cNvPr>
+          <p:cNvSpPr txBox="1"/>
           <p:nvPr/>
-        </p:nvPicPr>
-        <p:blipFill>
-          <a:blip r:embed="rId4">
-            <a:extLst>
-              <a:ext uri="{28A0092B-C50C-407E-A947-70E740481C1C}">
-                <a14:useLocalDpi xmlns:a14="http://schemas.microsoft.com/office/drawing/2010/main" val="0"/>
-              </a:ext>
-            </a:extLst>
-          </a:blip>
-          <a:stretch>
-            <a:fillRect/>
-          </a:stretch>
-        </p:blipFill>
+        </p:nvSpPr>
         <p:spPr>
           <a:xfrm>
-            <a:off x="6774238" y="4562926"/>
-            <a:ext cx="4943279" cy="1451872"/>
-          </a:xfrm>
-          <a:prstGeom prst="rect">
-            <a:avLst/>
-          </a:prstGeom>
-        </p:spPr>
-      </p:pic>
-      <p:sp>
-        <p:nvSpPr>
-          <p:cNvPr id="11" name="TextBox 10">
-            <a:extLst>
-              <a:ext uri="{FF2B5EF4-FFF2-40B4-BE49-F238E27FC236}">
-                <a16:creationId xmlns:a16="http://schemas.microsoft.com/office/drawing/2014/main" id="{74F27428-669A-48C1-BEAA-D84CD2F5C2A8}"/>
-              </a:ext>
-            </a:extLst>
-          </p:cNvPr>
-          <p:cNvSpPr txBox="1"/>
-          <p:nvPr/>
-        </p:nvSpPr>
-        <p:spPr>
-          <a:xfrm>
-            <a:off x="6774238" y="1690688"/>
-            <a:ext cx="3601887" cy="461665"/>
+            <a:off x="8531258" y="1800520"/>
+            <a:ext cx="3337088" cy="738664"/>
           </a:xfrm>
           <a:prstGeom prst="rect">
             <a:avLst/>
@@ -4840,102 +6567,16 @@
           <a:lstStyle/>
           <a:p>
             <a:r>
-              <a:rPr lang="ru-RU" sz="2400" dirty="0"/>
-              <a:t>Организация БД</a:t>
-            </a:r>
-          </a:p>
-        </p:txBody>
-      </p:sp>
-      <p:sp>
-        <p:nvSpPr>
-          <p:cNvPr id="12" name="TextBox 11">
-            <a:extLst>
-              <a:ext uri="{FF2B5EF4-FFF2-40B4-BE49-F238E27FC236}">
-                <a16:creationId xmlns:a16="http://schemas.microsoft.com/office/drawing/2014/main" id="{920DEE1E-8796-40DC-9664-73425EEE9A09}"/>
-              </a:ext>
-            </a:extLst>
-          </p:cNvPr>
-          <p:cNvSpPr txBox="1"/>
-          <p:nvPr/>
-        </p:nvSpPr>
-        <p:spPr>
-          <a:xfrm>
-            <a:off x="6774238" y="2225969"/>
-            <a:ext cx="4443953" cy="2308324"/>
-          </a:xfrm>
-          <a:prstGeom prst="rect">
-            <a:avLst/>
-          </a:prstGeom>
-          <a:noFill/>
-        </p:spPr>
-        <p:txBody>
-          <a:bodyPr wrap="square" rtlCol="0">
-            <a:spAutoFit/>
-          </a:bodyPr>
-          <a:lstStyle/>
-          <a:p>
-            <a:r>
-              <a:rPr lang="ru-RU" dirty="0"/>
-              <a:t>В проекте используется СУБД </a:t>
-            </a:r>
-            <a:r>
-              <a:rPr lang="en-US" dirty="0" err="1"/>
-              <a:t>Sqlite</a:t>
-            </a:r>
-            <a:r>
-              <a:rPr lang="ru-RU" dirty="0"/>
-              <a:t>. </a:t>
-            </a:r>
-          </a:p>
-          <a:p>
-            <a:pPr marL="342900" indent="-342900">
-              <a:buAutoNum type="arabicPeriod"/>
-            </a:pPr>
-            <a:r>
-              <a:rPr lang="ru-RU" dirty="0"/>
-              <a:t>Все таблицы между собой имеют связи(</a:t>
-            </a:r>
-            <a:r>
-              <a:rPr lang="en-US" dirty="0"/>
-              <a:t>many to one, one to one</a:t>
-            </a:r>
-            <a:r>
-              <a:rPr lang="ru-RU" dirty="0"/>
-              <a:t>).</a:t>
-            </a:r>
-          </a:p>
-          <a:p>
-            <a:pPr marL="342900" indent="-342900">
-              <a:buAutoNum type="arabicPeriod"/>
-            </a:pPr>
-            <a:r>
-              <a:rPr lang="ru-RU" dirty="0"/>
-              <a:t>Все </a:t>
-            </a:r>
-            <a:r>
-              <a:rPr lang="en-US" dirty="0"/>
-              <a:t>SQL </a:t>
-            </a:r>
-            <a:r>
-              <a:rPr lang="ru-RU" dirty="0"/>
-              <a:t>операции проходят через </a:t>
-            </a:r>
-            <a:r>
-              <a:rPr lang="en-US" dirty="0"/>
-              <a:t>ORM </a:t>
-            </a:r>
-            <a:r>
-              <a:rPr lang="ru-RU" dirty="0"/>
-              <a:t>движок.</a:t>
-            </a:r>
-          </a:p>
-          <a:p>
-            <a:pPr marL="342900" indent="-342900">
-              <a:buAutoNum type="arabicPeriod"/>
-            </a:pPr>
-            <a:r>
-              <a:rPr lang="ru-RU" dirty="0"/>
-              <a:t>Определенные действия пользователя приводят к изменению, добавлению или чтению данных.</a:t>
+              <a:rPr lang="ru-RU" sz="1400" dirty="0"/>
+              <a:t>На сайте реализована базовая авторизация и регистрация. Написана собственная проверка человек</a:t>
+            </a:r>
+            <a:r>
+              <a:rPr lang="en-US" sz="1400" dirty="0"/>
+              <a:t>/</a:t>
+            </a:r>
+            <a:r>
+              <a:rPr lang="ru-RU" sz="1400" dirty="0"/>
+              <a:t>робот. </a:t>
             </a:r>
           </a:p>
         </p:txBody>
@@ -4943,7 +6584,7 @@
     </p:spTree>
     <p:extLst>
       <p:ext uri="{BB962C8B-B14F-4D97-AF65-F5344CB8AC3E}">
-        <p14:creationId xmlns:p14="http://schemas.microsoft.com/office/powerpoint/2010/main" val="2451720246"/>
+        <p14:creationId xmlns:p14="http://schemas.microsoft.com/office/powerpoint/2010/main" val="2819910463"/>
       </p:ext>
     </p:extLst>
   </p:cSld>
@@ -4975,7 +6616,7 @@
           <p:cNvPr id="2" name="Заголовок 1">
             <a:extLst>
               <a:ext uri="{FF2B5EF4-FFF2-40B4-BE49-F238E27FC236}">
-                <a16:creationId xmlns:a16="http://schemas.microsoft.com/office/drawing/2014/main" id="{DE2696B1-AFA5-4A65-B5FD-D3CA3D3ACEDB}"/>
+                <a16:creationId xmlns:a16="http://schemas.microsoft.com/office/drawing/2014/main" id="{DD8DAEE6-E973-4F99-8884-AD2226973E5D}"/>
               </a:ext>
             </a:extLst>
           </p:cNvPr>
@@ -4991,39 +6632,104 @@
           <a:bodyPr/>
           <a:lstStyle/>
           <a:p>
-            <a:endParaRPr lang="ru-RU"/>
-          </a:p>
-        </p:txBody>
-      </p:sp>
-      <p:sp>
-        <p:nvSpPr>
-          <p:cNvPr id="3" name="Объект 2">
-            <a:extLst>
-              <a:ext uri="{FF2B5EF4-FFF2-40B4-BE49-F238E27FC236}">
-                <a16:creationId xmlns:a16="http://schemas.microsoft.com/office/drawing/2014/main" id="{936BF50B-FE53-4679-82B1-8803347CB18C}"/>
-              </a:ext>
-            </a:extLst>
-          </p:cNvPr>
-          <p:cNvSpPr>
-            <a:spLocks noGrp="1"/>
-          </p:cNvSpPr>
-          <p:nvPr>
-            <p:ph idx="1"/>
-          </p:nvPr>
-        </p:nvSpPr>
-        <p:spPr/>
-        <p:txBody>
-          <a:bodyPr/>
-          <a:lstStyle/>
-          <a:p>
-            <a:endParaRPr lang="ru-RU"/>
+            <a:r>
+              <a:rPr lang="ru-RU" dirty="0"/>
+              <a:t>Работа с файлами</a:t>
+            </a:r>
+          </a:p>
+        </p:txBody>
+      </p:sp>
+      <p:pic>
+        <p:nvPicPr>
+          <p:cNvPr id="5" name="Рисунок 4">
+            <a:extLst>
+              <a:ext uri="{FF2B5EF4-FFF2-40B4-BE49-F238E27FC236}">
+                <a16:creationId xmlns:a16="http://schemas.microsoft.com/office/drawing/2014/main" id="{5F3A5A45-E697-43AC-82A2-5C9C8E0B0185}"/>
+              </a:ext>
+            </a:extLst>
+          </p:cNvPr>
+          <p:cNvPicPr>
+            <a:picLocks noChangeAspect="1"/>
+          </p:cNvPicPr>
+          <p:nvPr/>
+        </p:nvPicPr>
+        <p:blipFill>
+          <a:blip r:embed="rId2">
+            <a:extLst>
+              <a:ext uri="{28A0092B-C50C-407E-A947-70E740481C1C}">
+                <a14:useLocalDpi xmlns:a14="http://schemas.microsoft.com/office/drawing/2010/main" val="0"/>
+              </a:ext>
+            </a:extLst>
+          </a:blip>
+          <a:stretch>
+            <a:fillRect/>
+          </a:stretch>
+        </p:blipFill>
+        <p:spPr>
+          <a:xfrm>
+            <a:off x="838200" y="1574276"/>
+            <a:ext cx="6788006" cy="3116046"/>
+          </a:xfrm>
+          <a:prstGeom prst="rect">
+            <a:avLst/>
+          </a:prstGeom>
+        </p:spPr>
+      </p:pic>
+      <p:sp>
+        <p:nvSpPr>
+          <p:cNvPr id="6" name="TextBox 5">
+            <a:extLst>
+              <a:ext uri="{FF2B5EF4-FFF2-40B4-BE49-F238E27FC236}">
+                <a16:creationId xmlns:a16="http://schemas.microsoft.com/office/drawing/2014/main" id="{E484F846-7F91-4FA3-A14B-1FE4D2D3F852}"/>
+              </a:ext>
+            </a:extLst>
+          </p:cNvPr>
+          <p:cNvSpPr txBox="1"/>
+          <p:nvPr/>
+        </p:nvSpPr>
+        <p:spPr>
+          <a:xfrm>
+            <a:off x="8191893" y="1574276"/>
+            <a:ext cx="2696066" cy="1754326"/>
+          </a:xfrm>
+          <a:prstGeom prst="rect">
+            <a:avLst/>
+          </a:prstGeom>
+          <a:noFill/>
+        </p:spPr>
+        <p:txBody>
+          <a:bodyPr wrap="square" rtlCol="0">
+            <a:spAutoFit/>
+          </a:bodyPr>
+          <a:lstStyle/>
+          <a:p>
+            <a:r>
+              <a:rPr lang="ru-RU" dirty="0"/>
+              <a:t>На странице профиля пользователь может установить себе </a:t>
+            </a:r>
+            <a:r>
+              <a:rPr lang="ru-RU" dirty="0" err="1"/>
+              <a:t>аватарку</a:t>
+            </a:r>
+            <a:r>
+              <a:rPr lang="ru-RU" dirty="0"/>
+              <a:t>, либо изменить старую. Медиа файлы </a:t>
+            </a:r>
+            <a:r>
+              <a:rPr lang="ru-RU" dirty="0" err="1"/>
+              <a:t>храняться</a:t>
+            </a:r>
+            <a:r>
+              <a:rPr lang="ru-RU" dirty="0"/>
+              <a:t> на сервере.</a:t>
+            </a:r>
           </a:p>
         </p:txBody>
       </p:sp>
     </p:spTree>
     <p:extLst>
       <p:ext uri="{BB962C8B-B14F-4D97-AF65-F5344CB8AC3E}">
-        <p14:creationId xmlns:p14="http://schemas.microsoft.com/office/powerpoint/2010/main" val="2819910463"/>
+        <p14:creationId xmlns:p14="http://schemas.microsoft.com/office/powerpoint/2010/main" val="4082803565"/>
       </p:ext>
     </p:extLst>
   </p:cSld>
@@ -5055,7 +6761,7 @@
           <p:cNvPr id="2" name="Заголовок 1">
             <a:extLst>
               <a:ext uri="{FF2B5EF4-FFF2-40B4-BE49-F238E27FC236}">
-                <a16:creationId xmlns:a16="http://schemas.microsoft.com/office/drawing/2014/main" id="{DD8DAEE6-E973-4F99-8884-AD2226973E5D}"/>
+                <a16:creationId xmlns:a16="http://schemas.microsoft.com/office/drawing/2014/main" id="{3697BFDA-A8CB-4205-98F3-2EC441CE7A6A}"/>
               </a:ext>
             </a:extLst>
           </p:cNvPr>
@@ -5073,40 +6779,166 @@
           <a:p>
             <a:r>
               <a:rPr lang="ru-RU" dirty="0"/>
-              <a:t>О проекте</a:t>
-            </a:r>
-          </a:p>
-        </p:txBody>
-      </p:sp>
-      <p:sp>
-        <p:nvSpPr>
-          <p:cNvPr id="3" name="Объект 2">
-            <a:extLst>
-              <a:ext uri="{FF2B5EF4-FFF2-40B4-BE49-F238E27FC236}">
-                <a16:creationId xmlns:a16="http://schemas.microsoft.com/office/drawing/2014/main" id="{F241E029-1B54-4319-8AEA-AD77A9DA96EB}"/>
-              </a:ext>
-            </a:extLst>
-          </p:cNvPr>
-          <p:cNvSpPr>
-            <a:spLocks noGrp="1"/>
-          </p:cNvSpPr>
+              <a:t>Использование </a:t>
+            </a:r>
+            <a:r>
+              <a:rPr lang="en-US" dirty="0"/>
+              <a:t>API</a:t>
+            </a:r>
+            <a:endParaRPr lang="ru-RU" dirty="0"/>
+          </a:p>
+        </p:txBody>
+      </p:sp>
+      <p:pic>
+        <p:nvPicPr>
+          <p:cNvPr id="5" name="Объект 4">
+            <a:extLst>
+              <a:ext uri="{FF2B5EF4-FFF2-40B4-BE49-F238E27FC236}">
+                <a16:creationId xmlns:a16="http://schemas.microsoft.com/office/drawing/2014/main" id="{93FBAE09-CDFC-40FF-AD18-3581DB9475F0}"/>
+              </a:ext>
+            </a:extLst>
+          </p:cNvPr>
+          <p:cNvPicPr>
+            <a:picLocks noGrp="1" noChangeAspect="1"/>
+          </p:cNvPicPr>
           <p:nvPr>
             <p:ph idx="1"/>
           </p:nvPr>
-        </p:nvSpPr>
-        <p:spPr/>
-        <p:txBody>
-          <a:bodyPr/>
-          <a:lstStyle/>
-          <a:p>
-            <a:endParaRPr lang="ru-RU"/>
+        </p:nvPicPr>
+        <p:blipFill>
+          <a:blip r:embed="rId2">
+            <a:extLst>
+              <a:ext uri="{28A0092B-C50C-407E-A947-70E740481C1C}">
+                <a14:useLocalDpi xmlns:a14="http://schemas.microsoft.com/office/drawing/2010/main" val="0"/>
+              </a:ext>
+            </a:extLst>
+          </a:blip>
+          <a:stretch>
+            <a:fillRect/>
+          </a:stretch>
+        </p:blipFill>
+        <p:spPr>
+          <a:xfrm>
+            <a:off x="838200" y="1690688"/>
+            <a:ext cx="4599985" cy="4351338"/>
+          </a:xfrm>
+        </p:spPr>
+      </p:pic>
+      <p:pic>
+        <p:nvPicPr>
+          <p:cNvPr id="7" name="Рисунок 6">
+            <a:extLst>
+              <a:ext uri="{FF2B5EF4-FFF2-40B4-BE49-F238E27FC236}">
+                <a16:creationId xmlns:a16="http://schemas.microsoft.com/office/drawing/2014/main" id="{5C23EC73-4D04-4D94-A60F-9978A417878F}"/>
+              </a:ext>
+            </a:extLst>
+          </p:cNvPr>
+          <p:cNvPicPr>
+            <a:picLocks noChangeAspect="1"/>
+          </p:cNvPicPr>
+          <p:nvPr/>
+        </p:nvPicPr>
+        <p:blipFill>
+          <a:blip r:embed="rId3">
+            <a:extLst>
+              <a:ext uri="{28A0092B-C50C-407E-A947-70E740481C1C}">
+                <a14:useLocalDpi xmlns:a14="http://schemas.microsoft.com/office/drawing/2010/main" val="0"/>
+              </a:ext>
+            </a:extLst>
+          </a:blip>
+          <a:stretch>
+            <a:fillRect/>
+          </a:stretch>
+        </p:blipFill>
+        <p:spPr>
+          <a:xfrm>
+            <a:off x="5901179" y="1690688"/>
+            <a:ext cx="5682776" cy="1325563"/>
+          </a:xfrm>
+          <a:prstGeom prst="rect">
+            <a:avLst/>
+          </a:prstGeom>
+        </p:spPr>
+      </p:pic>
+      <p:sp>
+        <p:nvSpPr>
+          <p:cNvPr id="8" name="TextBox 7">
+            <a:extLst>
+              <a:ext uri="{FF2B5EF4-FFF2-40B4-BE49-F238E27FC236}">
+                <a16:creationId xmlns:a16="http://schemas.microsoft.com/office/drawing/2014/main" id="{C556385A-2870-467D-A456-887536178799}"/>
+              </a:ext>
+            </a:extLst>
+          </p:cNvPr>
+          <p:cNvSpPr txBox="1"/>
+          <p:nvPr/>
+        </p:nvSpPr>
+        <p:spPr>
+          <a:xfrm>
+            <a:off x="5967167" y="3429000"/>
+            <a:ext cx="5616788" cy="1200329"/>
+          </a:xfrm>
+          <a:prstGeom prst="rect">
+            <a:avLst/>
+          </a:prstGeom>
+          <a:noFill/>
+        </p:spPr>
+        <p:txBody>
+          <a:bodyPr wrap="square" rtlCol="0">
+            <a:spAutoFit/>
+          </a:bodyPr>
+          <a:lstStyle/>
+          <a:p>
+            <a:r>
+              <a:rPr lang="ru-RU" dirty="0"/>
+              <a:t>У нас используется внешнее </a:t>
+            </a:r>
+            <a:r>
+              <a:rPr lang="en-US" dirty="0"/>
+              <a:t>API </a:t>
+            </a:r>
+            <a:r>
+              <a:rPr lang="ru-RU" dirty="0"/>
+              <a:t>погоды. Если пользователь отправит сообщение</a:t>
+            </a:r>
+            <a:r>
+              <a:rPr lang="en-US" dirty="0"/>
+              <a:t> </a:t>
+            </a:r>
+            <a:r>
+              <a:rPr lang="ru-RU" dirty="0"/>
+              <a:t>вида</a:t>
+            </a:r>
+            <a:r>
+              <a:rPr lang="en-US" dirty="0"/>
+              <a:t>: ‘</a:t>
+            </a:r>
+            <a:r>
+              <a:rPr lang="ru-RU" dirty="0"/>
+              <a:t>Информация </a:t>
+            </a:r>
+            <a:r>
+              <a:rPr lang="en-US" dirty="0"/>
+              <a:t>{</a:t>
+            </a:r>
+            <a:r>
+              <a:rPr lang="ru-RU" dirty="0"/>
+              <a:t>населенный пункт</a:t>
+            </a:r>
+            <a:r>
+              <a:rPr lang="en-US" dirty="0"/>
+              <a:t>}’</a:t>
+            </a:r>
+            <a:r>
+              <a:rPr lang="ru-RU" dirty="0"/>
+              <a:t>, то бот пришлет сообщение об этом городе и о погоде в нем в реальном времени.</a:t>
+            </a:r>
           </a:p>
         </p:txBody>
       </p:sp>
     </p:spTree>
     <p:extLst>
       <p:ext uri="{BB962C8B-B14F-4D97-AF65-F5344CB8AC3E}">
-        <p14:creationId xmlns:p14="http://schemas.microsoft.com/office/powerpoint/2010/main" val="4082803565"/>
+        <p14:creationId xmlns:p14="http://schemas.microsoft.com/office/powerpoint/2010/main" val="3509674042"/>
       </p:ext>
     </p:extLst>
   </p:cSld>

--- a/materials/Presentation.pptx
+++ b/materials/Presentation.pptx
@@ -275,7 +275,7 @@
           <a:p>
             <a:fld id="{5F2F58A1-2790-466B-BDFD-2B7176D4BEF3}" type="datetimeFigureOut">
               <a:rPr lang="ru-RU" smtClean="0"/>
-              <a:t>23.04.2025</a:t>
+              <a:t>26.04.2025</a:t>
             </a:fld>
             <a:endParaRPr lang="ru-RU"/>
           </a:p>
@@ -517,7 +517,7 @@
           <a:p>
             <a:fld id="{BEAE42B0-126B-40D2-8603-60E526B3C4CA}" type="datetimeFigureOut">
               <a:rPr lang="ru-RU" smtClean="0"/>
-              <a:t>23.04.2025</a:t>
+              <a:t>26.04.2025</a:t>
             </a:fld>
             <a:endParaRPr lang="ru-RU"/>
           </a:p>
@@ -715,7 +715,7 @@
           <a:p>
             <a:fld id="{BEAE42B0-126B-40D2-8603-60E526B3C4CA}" type="datetimeFigureOut">
               <a:rPr lang="ru-RU" smtClean="0"/>
-              <a:t>23.04.2025</a:t>
+              <a:t>26.04.2025</a:t>
             </a:fld>
             <a:endParaRPr lang="ru-RU"/>
           </a:p>
@@ -923,7 +923,7 @@
           <a:p>
             <a:fld id="{BEAE42B0-126B-40D2-8603-60E526B3C4CA}" type="datetimeFigureOut">
               <a:rPr lang="ru-RU" smtClean="0"/>
-              <a:t>23.04.2025</a:t>
+              <a:t>26.04.2025</a:t>
             </a:fld>
             <a:endParaRPr lang="ru-RU"/>
           </a:p>
@@ -1121,7 +1121,7 @@
           <a:p>
             <a:fld id="{BEAE42B0-126B-40D2-8603-60E526B3C4CA}" type="datetimeFigureOut">
               <a:rPr lang="ru-RU" smtClean="0"/>
-              <a:t>23.04.2025</a:t>
+              <a:t>26.04.2025</a:t>
             </a:fld>
             <a:endParaRPr lang="ru-RU"/>
           </a:p>
@@ -1396,7 +1396,7 @@
           <a:p>
             <a:fld id="{BEAE42B0-126B-40D2-8603-60E526B3C4CA}" type="datetimeFigureOut">
               <a:rPr lang="ru-RU" smtClean="0"/>
-              <a:t>23.04.2025</a:t>
+              <a:t>26.04.2025</a:t>
             </a:fld>
             <a:endParaRPr lang="ru-RU"/>
           </a:p>
@@ -1661,7 +1661,7 @@
           <a:p>
             <a:fld id="{BEAE42B0-126B-40D2-8603-60E526B3C4CA}" type="datetimeFigureOut">
               <a:rPr lang="ru-RU" smtClean="0"/>
-              <a:t>23.04.2025</a:t>
+              <a:t>26.04.2025</a:t>
             </a:fld>
             <a:endParaRPr lang="ru-RU"/>
           </a:p>
@@ -2073,7 +2073,7 @@
           <a:p>
             <a:fld id="{BEAE42B0-126B-40D2-8603-60E526B3C4CA}" type="datetimeFigureOut">
               <a:rPr lang="ru-RU" smtClean="0"/>
-              <a:t>23.04.2025</a:t>
+              <a:t>26.04.2025</a:t>
             </a:fld>
             <a:endParaRPr lang="ru-RU"/>
           </a:p>
@@ -2214,7 +2214,7 @@
           <a:p>
             <a:fld id="{BEAE42B0-126B-40D2-8603-60E526B3C4CA}" type="datetimeFigureOut">
               <a:rPr lang="ru-RU" smtClean="0"/>
-              <a:t>23.04.2025</a:t>
+              <a:t>26.04.2025</a:t>
             </a:fld>
             <a:endParaRPr lang="ru-RU"/>
           </a:p>
@@ -2327,7 +2327,7 @@
           <a:p>
             <a:fld id="{BEAE42B0-126B-40D2-8603-60E526B3C4CA}" type="datetimeFigureOut">
               <a:rPr lang="ru-RU" smtClean="0"/>
-              <a:t>23.04.2025</a:t>
+              <a:t>26.04.2025</a:t>
             </a:fld>
             <a:endParaRPr lang="ru-RU"/>
           </a:p>
@@ -2638,7 +2638,7 @@
           <a:p>
             <a:fld id="{BEAE42B0-126B-40D2-8603-60E526B3C4CA}" type="datetimeFigureOut">
               <a:rPr lang="ru-RU" smtClean="0"/>
-              <a:t>23.04.2025</a:t>
+              <a:t>26.04.2025</a:t>
             </a:fld>
             <a:endParaRPr lang="ru-RU"/>
           </a:p>
@@ -2926,7 +2926,7 @@
           <a:p>
             <a:fld id="{BEAE42B0-126B-40D2-8603-60E526B3C4CA}" type="datetimeFigureOut">
               <a:rPr lang="ru-RU" smtClean="0"/>
-              <a:t>23.04.2025</a:t>
+              <a:t>26.04.2025</a:t>
             </a:fld>
             <a:endParaRPr lang="ru-RU"/>
           </a:p>
@@ -3167,7 +3167,7 @@
           <a:p>
             <a:fld id="{BEAE42B0-126B-40D2-8603-60E526B3C4CA}" type="datetimeFigureOut">
               <a:rPr lang="ru-RU" smtClean="0"/>
-              <a:t>23.04.2025</a:t>
+              <a:t>26.04.2025</a:t>
             </a:fld>
             <a:endParaRPr lang="ru-RU"/>
           </a:p>
@@ -4330,6 +4330,58 @@
                 <a:hlinkClick r:id="rId3"/>
               </a:rPr>
               <a:t>https://shore-outgoing-calendula.glitch.me</a:t>
+            </a:r>
+            <a:endParaRPr lang="ru-RU" dirty="0"/>
+          </a:p>
+        </p:txBody>
+      </p:sp>
+      <p:sp>
+        <p:nvSpPr>
+          <p:cNvPr id="3" name="TextBox 2">
+            <a:extLst>
+              <a:ext uri="{FF2B5EF4-FFF2-40B4-BE49-F238E27FC236}">
+                <a16:creationId xmlns:a16="http://schemas.microsoft.com/office/drawing/2014/main" id="{1B275B1A-89CD-4506-AC2E-8FB3C6739E09}"/>
+              </a:ext>
+            </a:extLst>
+          </p:cNvPr>
+          <p:cNvSpPr txBox="1"/>
+          <p:nvPr/>
+        </p:nvSpPr>
+        <p:spPr>
+          <a:xfrm>
+            <a:off x="857054" y="3949831"/>
+            <a:ext cx="4185501" cy="646331"/>
+          </a:xfrm>
+          <a:prstGeom prst="rect">
+            <a:avLst/>
+          </a:prstGeom>
+          <a:noFill/>
+        </p:spPr>
+        <p:txBody>
+          <a:bodyPr wrap="square" rtlCol="0">
+            <a:spAutoFit/>
+          </a:bodyPr>
+          <a:lstStyle/>
+          <a:p>
+            <a:r>
+              <a:rPr lang="ru-RU" dirty="0" err="1"/>
+              <a:t>Скринкаст</a:t>
+            </a:r>
+            <a:r>
+              <a:rPr lang="ru-RU" dirty="0"/>
+              <a:t> работы сайта</a:t>
+            </a:r>
+            <a:r>
+              <a:rPr lang="en-US" dirty="0"/>
+              <a:t>:</a:t>
+            </a:r>
+          </a:p>
+          <a:p>
+            <a:r>
+              <a:rPr lang="en-US" dirty="0">
+                <a:hlinkClick r:id="rId4"/>
+              </a:rPr>
+              <a:t>https://disk.yandex.ru/i/9jFBTd2LYByGzA</a:t>
             </a:r>
             <a:endParaRPr lang="ru-RU" dirty="0"/>
           </a:p>
